--- a/poster2/Presentation2.pptx
+++ b/poster2/Presentation2.pptx
@@ -104,6 +104,11 @@
       </a:defRPr>
     </a:lvl9pPr>
   </p:defaultTextStyle>
+  <p:extLst>
+    <p:ext uri="{EFAFB233-063F-42B5-8137-9DF3F51BA10A}">
+      <p15:sldGuideLst xmlns:p15="http://schemas.microsoft.com/office/powerpoint/2012/main"/>
+    </p:ext>
+  </p:extLst>
 </p:presentation>
 </file>
 
@@ -3003,7 +3008,7 @@
                 <a:ea typeface="標楷體" panose="03000509000000000000" pitchFamily="65" charset="-120"/>
                 <a:cs typeface="Times New Roman" panose="02020603050405020304" pitchFamily="18" charset="0"/>
               </a:rPr>
-              <a:t>文件影像縫合</a:t>
+              <a:t>基於最佳縫線之文件影像縫合</a:t>
             </a:r>
             <a:r>
               <a:rPr lang="en-US" altLang="zh-TW" sz="6600" dirty="0">
@@ -3042,8 +3047,13 @@
                 <a:ea typeface="微軟正黑體" panose="020B0604030504040204" pitchFamily="34" charset="-120"/>
                 <a:cs typeface="Times New Roman" panose="02020603050405020304" pitchFamily="18" charset="0"/>
               </a:rPr>
-              <a:t>Document Image Stitching – Acceleration and Optimization Technique</a:t>
-            </a:r>
+              <a:t>Optimal Seam Stitching for Document Image – Acceleration and Optimization Technique</a:t>
+            </a:r>
+            <a:endParaRPr lang="en-US" sz="4800" dirty="0">
+              <a:latin typeface="Times New Roman" panose="02020603050405020304" pitchFamily="18" charset="0"/>
+              <a:ea typeface="微軟正黑體" panose="020B0604030504040204" pitchFamily="34" charset="-120"/>
+              <a:cs typeface="Times New Roman" panose="02020603050405020304" pitchFamily="18" charset="0"/>
+            </a:endParaRPr>
           </a:p>
           <a:p>
             <a:pPr algn="ctr">
@@ -3154,8 +3164,8 @@
         </p:nvSpPr>
         <p:spPr>
           <a:xfrm>
-            <a:off x="827616" y="3958002"/>
-            <a:ext cx="20001204" cy="3354765"/>
+            <a:off x="827616" y="4037458"/>
+            <a:ext cx="20001204" cy="1508105"/>
           </a:xfrm>
           <a:prstGeom prst="rect">
             <a:avLst/>
@@ -3177,17 +3187,61 @@
               </a:spcAft>
             </a:pPr>
             <a:r>
-              <a:rPr lang="zh-TW" altLang="en-US" sz="4800" b="1" dirty="0">
+              <a:rPr lang="en-US" altLang="zh-TW" sz="4800" dirty="0">
                 <a:latin typeface="微軟正黑體" panose="020B0604030504040204" pitchFamily="34" charset="-120"/>
                 <a:ea typeface="微軟正黑體" panose="020B0604030504040204" pitchFamily="34" charset="-120"/>
               </a:rPr>
-              <a:t>壹、摘要</a:t>
-            </a:r>
-            <a:endParaRPr lang="en-US" altLang="zh-TW" sz="4800" dirty="0">
+              <a:t>		</a:t>
+            </a:r>
+            <a:r>
+              <a:rPr lang="zh-TW" altLang="en-US" sz="4400" dirty="0">
+                <a:latin typeface="微軟正黑體" panose="020B0604030504040204" pitchFamily="34" charset="-120"/>
+                <a:ea typeface="微軟正黑體" panose="020B0604030504040204" pitchFamily="34" charset="-120"/>
+              </a:rPr>
+              <a:t>上學期完成平面影像縫合的核心演算法後，這個學期我們首先試著將演算移植到</a:t>
+            </a:r>
+            <a:r>
+              <a:rPr lang="en-US" altLang="zh-TW" sz="4400" dirty="0">
+                <a:latin typeface="微軟正黑體" panose="020B0604030504040204" pitchFamily="34" charset="-120"/>
+                <a:ea typeface="微軟正黑體" panose="020B0604030504040204" pitchFamily="34" charset="-120"/>
+              </a:rPr>
+              <a:t>Java</a:t>
+            </a:r>
+            <a:r>
+              <a:rPr lang="zh-TW" altLang="en-US" sz="4400" dirty="0">
+                <a:latin typeface="微軟正黑體" panose="020B0604030504040204" pitchFamily="34" charset="-120"/>
+                <a:ea typeface="微軟正黑體" panose="020B0604030504040204" pitchFamily="34" charset="-120"/>
+              </a:rPr>
+              <a:t>平台，之後再利用多項技巧加速文件縫合速度與優化文件縫合效果。</a:t>
+            </a:r>
+            <a:endParaRPr lang="en-US" sz="2800" dirty="0">
               <a:latin typeface="微軟正黑體" panose="020B0604030504040204" pitchFamily="34" charset="-120"/>
               <a:ea typeface="微軟正黑體" panose="020B0604030504040204" pitchFamily="34" charset="-120"/>
             </a:endParaRPr>
           </a:p>
+        </p:txBody>
+      </p:sp>
+      <p:sp>
+        <p:nvSpPr>
+          <p:cNvPr id="6" name="TextBox 5"/>
+          <p:cNvSpPr txBox="1"/>
+          <p:nvPr/>
+        </p:nvSpPr>
+        <p:spPr>
+          <a:xfrm>
+            <a:off x="827616" y="6134688"/>
+            <a:ext cx="20001204" cy="3847207"/>
+          </a:xfrm>
+          <a:prstGeom prst="rect">
+            <a:avLst/>
+          </a:prstGeom>
+          <a:noFill/>
+        </p:spPr>
+        <p:txBody>
+          <a:bodyPr wrap="square" rtlCol="0">
+            <a:spAutoFit/>
+          </a:bodyPr>
+          <a:lstStyle/>
           <a:p>
             <a:pPr>
               <a:spcBef>
@@ -3198,40 +3252,861 @@
               </a:spcAft>
             </a:pPr>
             <a:r>
-              <a:rPr lang="en-US" altLang="zh-TW" sz="4800" dirty="0">
+              <a:rPr lang="zh-TW" altLang="en-US" sz="4800" b="1" dirty="0">
+                <a:latin typeface="微軟正黑體" panose="020B0604030504040204" pitchFamily="34" charset="-120"/>
+                <a:ea typeface="微軟正黑體" panose="020B0604030504040204" pitchFamily="34" charset="-120"/>
+              </a:rPr>
+              <a:t>像素差</a:t>
+            </a:r>
+            <a:r>
+              <a:rPr lang="en-US" altLang="zh-TW" sz="4800" b="1" dirty="0">
+                <a:latin typeface="微軟正黑體" panose="020B0604030504040204" pitchFamily="34" charset="-120"/>
+                <a:ea typeface="微軟正黑體" panose="020B0604030504040204" pitchFamily="34" charset="-120"/>
+              </a:rPr>
+              <a:t>(Pixel Difference)</a:t>
+            </a:r>
+            <a:r>
+              <a:rPr lang="zh-TW" altLang="en-US" sz="4800" b="1" dirty="0">
+                <a:latin typeface="微軟正黑體" panose="020B0604030504040204" pitchFamily="34" charset="-120"/>
+                <a:ea typeface="微軟正黑體" panose="020B0604030504040204" pitchFamily="34" charset="-120"/>
+              </a:rPr>
+              <a:t>與梯度</a:t>
+            </a:r>
+            <a:r>
+              <a:rPr lang="en-US" altLang="zh-TW" sz="4800" b="1" dirty="0">
+                <a:latin typeface="微軟正黑體" panose="020B0604030504040204" pitchFamily="34" charset="-120"/>
+                <a:ea typeface="微軟正黑體" panose="020B0604030504040204" pitchFamily="34" charset="-120"/>
+              </a:rPr>
+              <a:t>(Gradient)</a:t>
+            </a:r>
+          </a:p>
+          <a:p>
+            <a:pPr>
+              <a:spcBef>
+                <a:spcPts val="1200"/>
+              </a:spcBef>
+              <a:spcAft>
+                <a:spcPts val="1200"/>
+              </a:spcAft>
+            </a:pPr>
+            <a:r>
+              <a:rPr lang="en-US" altLang="zh-TW" sz="4400" dirty="0">
                 <a:latin typeface="微軟正黑體" panose="020B0604030504040204" pitchFamily="34" charset="-120"/>
                 <a:ea typeface="微軟正黑體" panose="020B0604030504040204" pitchFamily="34" charset="-120"/>
               </a:rPr>
               <a:t>		</a:t>
             </a:r>
             <a:r>
-              <a:rPr lang="zh-TW" altLang="en-US" sz="4800" dirty="0">
+              <a:rPr lang="zh-TW" altLang="en-US" sz="4400" dirty="0">
                 <a:latin typeface="微軟正黑體" panose="020B0604030504040204" pitchFamily="34" charset="-120"/>
                 <a:ea typeface="微軟正黑體" panose="020B0604030504040204" pitchFamily="34" charset="-120"/>
               </a:rPr>
-              <a:t>上學期完成平面影像縫合的核心演算法後，這個學期我們首先試著將演算移植到</a:t>
-            </a:r>
-            <a:r>
-              <a:rPr lang="en-US" altLang="zh-TW" sz="4800" dirty="0">
+              <a:t>過去在搜尋最佳縫線時，我們計算該點在兩張圖上的像素差，以此作為該點的誤差值</a:t>
+            </a:r>
+            <a:r>
+              <a:rPr lang="en-US" altLang="zh-TW" sz="4400" dirty="0">
                 <a:latin typeface="微軟正黑體" panose="020B0604030504040204" pitchFamily="34" charset="-120"/>
                 <a:ea typeface="微軟正黑體" panose="020B0604030504040204" pitchFamily="34" charset="-120"/>
               </a:rPr>
-              <a:t>Java</a:t>
-            </a:r>
-            <a:r>
-              <a:rPr lang="zh-TW" altLang="en-US" sz="4800" dirty="0">
+              <a:t>(Error)</a:t>
+            </a:r>
+            <a:r>
+              <a:rPr lang="zh-TW" altLang="en-US" sz="4400" dirty="0">
                 <a:latin typeface="微軟正黑體" panose="020B0604030504040204" pitchFamily="34" charset="-120"/>
                 <a:ea typeface="微軟正黑體" panose="020B0604030504040204" pitchFamily="34" charset="-120"/>
               </a:rPr>
-              <a:t>平台，之後再利用多項技巧加速文件縫合速度與優化文件縫合效果。</a:t>
-            </a:r>
-            <a:endParaRPr lang="en-US" sz="2800" dirty="0">
+              <a:t>，這使縫線容易貼近文字，增加文字被切割的機會。而為了讓縫線遠離文字，我們除了計算該點像素差外，還考慮了縫線前進時，當前像素和下一個像素的梯度。</a:t>
+            </a:r>
+            <a:endParaRPr lang="en-US" sz="2400" dirty="0">
               <a:latin typeface="微軟正黑體" panose="020B0604030504040204" pitchFamily="34" charset="-120"/>
               <a:ea typeface="微軟正黑體" panose="020B0604030504040204" pitchFamily="34" charset="-120"/>
             </a:endParaRPr>
           </a:p>
         </p:txBody>
       </p:sp>
+      <p:sp>
+        <p:nvSpPr>
+          <p:cNvPr id="7" name="TextBox 6"/>
+          <p:cNvSpPr txBox="1"/>
+          <p:nvPr/>
+        </p:nvSpPr>
+        <p:spPr>
+          <a:xfrm>
+            <a:off x="827616" y="10571020"/>
+            <a:ext cx="20001204" cy="3170099"/>
+          </a:xfrm>
+          <a:prstGeom prst="rect">
+            <a:avLst/>
+          </a:prstGeom>
+          <a:noFill/>
+        </p:spPr>
+        <p:txBody>
+          <a:bodyPr wrap="square" rtlCol="0">
+            <a:spAutoFit/>
+          </a:bodyPr>
+          <a:lstStyle/>
+          <a:p>
+            <a:pPr>
+              <a:spcBef>
+                <a:spcPts val="1200"/>
+              </a:spcBef>
+              <a:spcAft>
+                <a:spcPts val="1200"/>
+              </a:spcAft>
+            </a:pPr>
+            <a:r>
+              <a:rPr lang="zh-TW" altLang="en-US" sz="4800" b="1" dirty="0">
+                <a:latin typeface="微軟正黑體" panose="020B0604030504040204" pitchFamily="34" charset="-120"/>
+                <a:ea typeface="微軟正黑體" panose="020B0604030504040204" pitchFamily="34" charset="-120"/>
+              </a:rPr>
+              <a:t>特徵與最佳縫線搜尋加速</a:t>
+            </a:r>
+            <a:endParaRPr lang="en-US" altLang="zh-TW" sz="4800" b="1" dirty="0">
+              <a:latin typeface="微軟正黑體" panose="020B0604030504040204" pitchFamily="34" charset="-120"/>
+              <a:ea typeface="微軟正黑體" panose="020B0604030504040204" pitchFamily="34" charset="-120"/>
+            </a:endParaRPr>
+          </a:p>
+          <a:p>
+            <a:pPr>
+              <a:spcBef>
+                <a:spcPts val="1200"/>
+              </a:spcBef>
+              <a:spcAft>
+                <a:spcPts val="1200"/>
+              </a:spcAft>
+            </a:pPr>
+            <a:r>
+              <a:rPr lang="en-US" altLang="zh-TW" sz="4400" dirty="0">
+                <a:latin typeface="微軟正黑體" panose="020B0604030504040204" pitchFamily="34" charset="-120"/>
+                <a:ea typeface="微軟正黑體" panose="020B0604030504040204" pitchFamily="34" charset="-120"/>
+              </a:rPr>
+              <a:t>		</a:t>
+            </a:r>
+            <a:r>
+              <a:rPr lang="zh-TW" altLang="en-US" sz="4400" dirty="0">
+                <a:latin typeface="微軟正黑體" panose="020B0604030504040204" pitchFamily="34" charset="-120"/>
+                <a:ea typeface="微軟正黑體" panose="020B0604030504040204" pitchFamily="34" charset="-120"/>
+              </a:rPr>
+              <a:t>在處理高解析度</a:t>
+            </a:r>
+            <a:r>
+              <a:rPr lang="en-US" altLang="zh-TW" sz="4400" dirty="0">
+                <a:latin typeface="微軟正黑體" panose="020B0604030504040204" pitchFamily="34" charset="-120"/>
+                <a:ea typeface="微軟正黑體" panose="020B0604030504040204" pitchFamily="34" charset="-120"/>
+              </a:rPr>
+              <a:t>(~800</a:t>
+            </a:r>
+            <a:r>
+              <a:rPr lang="zh-TW" altLang="en-US" sz="4400" dirty="0">
+                <a:latin typeface="微軟正黑體" panose="020B0604030504040204" pitchFamily="34" charset="-120"/>
+                <a:ea typeface="微軟正黑體" panose="020B0604030504040204" pitchFamily="34" charset="-120"/>
+              </a:rPr>
+              <a:t>萬畫素</a:t>
+            </a:r>
+            <a:r>
+              <a:rPr lang="en-US" altLang="zh-TW" sz="4400" dirty="0">
+                <a:latin typeface="微軟正黑體" panose="020B0604030504040204" pitchFamily="34" charset="-120"/>
+                <a:ea typeface="微軟正黑體" panose="020B0604030504040204" pitchFamily="34" charset="-120"/>
+              </a:rPr>
+              <a:t>)</a:t>
+            </a:r>
+            <a:r>
+              <a:rPr lang="zh-TW" altLang="en-US" sz="4400" dirty="0">
+                <a:latin typeface="微軟正黑體" panose="020B0604030504040204" pitchFamily="34" charset="-120"/>
+                <a:ea typeface="微軟正黑體" panose="020B0604030504040204" pitchFamily="34" charset="-120"/>
+              </a:rPr>
+              <a:t>的圖片時，搜尋特徵與最佳縫線相當耗時，而解決方法便是將圖片縮小後再做處理，並將小圖的最佳縫線放大回原圖。</a:t>
+            </a:r>
+            <a:endParaRPr lang="en-US" altLang="zh-TW" sz="4400" dirty="0">
+              <a:latin typeface="微軟正黑體" panose="020B0604030504040204" pitchFamily="34" charset="-120"/>
+              <a:ea typeface="微軟正黑體" panose="020B0604030504040204" pitchFamily="34" charset="-120"/>
+            </a:endParaRPr>
+          </a:p>
+          <a:p>
+            <a:pPr>
+              <a:spcBef>
+                <a:spcPts val="1200"/>
+              </a:spcBef>
+              <a:spcAft>
+                <a:spcPts val="1200"/>
+              </a:spcAft>
+            </a:pPr>
+            <a:endParaRPr lang="en-US" sz="2400" dirty="0">
+              <a:latin typeface="微軟正黑體" panose="020B0604030504040204" pitchFamily="34" charset="-120"/>
+              <a:ea typeface="微軟正黑體" panose="020B0604030504040204" pitchFamily="34" charset="-120"/>
+            </a:endParaRPr>
+          </a:p>
+        </p:txBody>
+      </p:sp>
+      <p:graphicFrame>
+        <p:nvGraphicFramePr>
+          <p:cNvPr id="9" name="Table 8"/>
+          <p:cNvGraphicFramePr>
+            <a:graphicFrameLocks noGrp="1"/>
+          </p:cNvGraphicFramePr>
+          <p:nvPr>
+            <p:extLst>
+              <p:ext uri="{D42A27DB-BD31-4B8C-83A1-F6EECF244321}">
+                <p14:modId xmlns:p14="http://schemas.microsoft.com/office/powerpoint/2010/main" val="202747965"/>
+              </p:ext>
+            </p:extLst>
+          </p:nvPr>
+        </p:nvGraphicFramePr>
+        <p:xfrm>
+          <a:off x="827616" y="13741119"/>
+          <a:ext cx="20001204" cy="2931668"/>
+        </p:xfrm>
+        <a:graphic>
+          <a:graphicData uri="http://schemas.openxmlformats.org/drawingml/2006/table">
+            <a:tbl>
+              <a:tblPr firstRow="1" bandRow="1">
+                <a:tableStyleId>{7DF18680-E054-41AD-8BC1-D1AEF772440D}</a:tableStyleId>
+              </a:tblPr>
+              <a:tblGrid>
+                <a:gridCol w="3471746">
+                  <a:extLst>
+                    <a:ext uri="{9D8B030D-6E8A-4147-A177-3AD203B41FA5}">
+                      <a16:colId xmlns:a16="http://schemas.microsoft.com/office/drawing/2014/main" val="4081085336"/>
+                    </a:ext>
+                  </a:extLst>
+                </a:gridCol>
+                <a:gridCol w="3195322">
+                  <a:extLst>
+                    <a:ext uri="{9D8B030D-6E8A-4147-A177-3AD203B41FA5}">
+                      <a16:colId xmlns:a16="http://schemas.microsoft.com/office/drawing/2014/main" val="2774472591"/>
+                    </a:ext>
+                  </a:extLst>
+                </a:gridCol>
+                <a:gridCol w="3333534">
+                  <a:extLst>
+                    <a:ext uri="{9D8B030D-6E8A-4147-A177-3AD203B41FA5}">
+                      <a16:colId xmlns:a16="http://schemas.microsoft.com/office/drawing/2014/main" val="3583958869"/>
+                    </a:ext>
+                  </a:extLst>
+                </a:gridCol>
+                <a:gridCol w="3333534">
+                  <a:extLst>
+                    <a:ext uri="{9D8B030D-6E8A-4147-A177-3AD203B41FA5}">
+                      <a16:colId xmlns:a16="http://schemas.microsoft.com/office/drawing/2014/main" val="859445991"/>
+                    </a:ext>
+                  </a:extLst>
+                </a:gridCol>
+                <a:gridCol w="3333534">
+                  <a:extLst>
+                    <a:ext uri="{9D8B030D-6E8A-4147-A177-3AD203B41FA5}">
+                      <a16:colId xmlns:a16="http://schemas.microsoft.com/office/drawing/2014/main" val="500072462"/>
+                    </a:ext>
+                  </a:extLst>
+                </a:gridCol>
+                <a:gridCol w="3333534">
+                  <a:extLst>
+                    <a:ext uri="{9D8B030D-6E8A-4147-A177-3AD203B41FA5}">
+                      <a16:colId xmlns:a16="http://schemas.microsoft.com/office/drawing/2014/main" val="2157207200"/>
+                    </a:ext>
+                  </a:extLst>
+                </a:gridCol>
+              </a:tblGrid>
+              <a:tr h="627786">
+                <a:tc gridSpan="6">
+                  <a:txBody>
+                    <a:bodyPr/>
+                    <a:lstStyle/>
+                    <a:p>
+                      <a:pPr algn="ctr"/>
+                      <a:r>
+                        <a:rPr lang="en-US" dirty="0"/>
+                        <a:t>Image size</a:t>
+                      </a:r>
+                      <a:r>
+                        <a:rPr lang="en-US" baseline="0" dirty="0"/>
+                        <a:t> -</a:t>
+                      </a:r>
+                      <a:r>
+                        <a:rPr lang="en-US" dirty="0"/>
+                        <a:t> 2448*3264px</a:t>
+                      </a:r>
+                      <a:r>
+                        <a:rPr lang="en-US"/>
+                        <a:t>, Average</a:t>
+                      </a:r>
+                      <a:r>
+                        <a:rPr lang="en-US" baseline="0"/>
+                        <a:t> </a:t>
+                      </a:r>
+                      <a:r>
+                        <a:rPr lang="en-US" baseline="0" dirty="0"/>
+                        <a:t>of five tests</a:t>
+                      </a:r>
+                      <a:endParaRPr lang="en-US" dirty="0"/>
+                    </a:p>
+                  </a:txBody>
+                  <a:tcPr>
+                    <a:solidFill>
+                      <a:schemeClr val="accent1">
+                        <a:lumMod val="75000"/>
+                      </a:schemeClr>
+                    </a:solidFill>
+                  </a:tcPr>
+                </a:tc>
+                <a:tc hMerge="1">
+                  <a:txBody>
+                    <a:bodyPr/>
+                    <a:lstStyle/>
+                    <a:p>
+                      <a:pPr algn="ctr" fontAlgn="b"/>
+                      <a:endParaRPr lang="en-US" sz="3800" b="0" i="0" u="none" strike="noStrike" dirty="0">
+                        <a:solidFill>
+                          <a:srgbClr val="000000"/>
+                        </a:solidFill>
+                        <a:effectLst/>
+                        <a:latin typeface="Calibri" panose="020F0502020204030204" pitchFamily="34" charset="0"/>
+                      </a:endParaRPr>
+                    </a:p>
+                  </a:txBody>
+                  <a:tcPr marL="32393" marR="32393" marT="32393" marB="0" anchor="b"/>
+                </a:tc>
+                <a:tc hMerge="1">
+                  <a:txBody>
+                    <a:bodyPr/>
+                    <a:lstStyle/>
+                    <a:p>
+                      <a:pPr algn="ctr" fontAlgn="b"/>
+                      <a:endParaRPr lang="en-US" sz="3800" b="0" i="0" u="none" strike="noStrike" dirty="0">
+                        <a:solidFill>
+                          <a:srgbClr val="000000"/>
+                        </a:solidFill>
+                        <a:effectLst/>
+                        <a:latin typeface="Calibri" panose="020F0502020204030204" pitchFamily="34" charset="0"/>
+                      </a:endParaRPr>
+                    </a:p>
+                  </a:txBody>
+                  <a:tcPr marL="32393" marR="32393" marT="32393" marB="0" anchor="b"/>
+                </a:tc>
+                <a:tc hMerge="1">
+                  <a:txBody>
+                    <a:bodyPr/>
+                    <a:lstStyle/>
+                    <a:p>
+                      <a:pPr algn="ctr" fontAlgn="b"/>
+                      <a:endParaRPr lang="en-US" sz="3800" b="0" i="0" u="none" strike="noStrike" dirty="0">
+                        <a:solidFill>
+                          <a:srgbClr val="000000"/>
+                        </a:solidFill>
+                        <a:effectLst/>
+                        <a:latin typeface="Calibri" panose="020F0502020204030204" pitchFamily="34" charset="0"/>
+                      </a:endParaRPr>
+                    </a:p>
+                  </a:txBody>
+                  <a:tcPr marL="32393" marR="32393" marT="32393" marB="0" anchor="b"/>
+                </a:tc>
+                <a:tc hMerge="1">
+                  <a:txBody>
+                    <a:bodyPr/>
+                    <a:lstStyle/>
+                    <a:p>
+                      <a:pPr algn="ctr" fontAlgn="b"/>
+                      <a:endParaRPr lang="en-US" sz="3800" b="0" i="0" u="none" strike="noStrike" dirty="0">
+                        <a:solidFill>
+                          <a:srgbClr val="000000"/>
+                        </a:solidFill>
+                        <a:effectLst/>
+                        <a:latin typeface="Calibri" panose="020F0502020204030204" pitchFamily="34" charset="0"/>
+                      </a:endParaRPr>
+                    </a:p>
+                  </a:txBody>
+                  <a:tcPr marL="32393" marR="32393" marT="32393" marB="0" anchor="b"/>
+                </a:tc>
+                <a:tc hMerge="1">
+                  <a:txBody>
+                    <a:bodyPr/>
+                    <a:lstStyle/>
+                    <a:p>
+                      <a:pPr algn="ctr" fontAlgn="b"/>
+                      <a:endParaRPr lang="en-US" sz="3800" b="0" i="0" u="none" strike="noStrike" dirty="0">
+                        <a:solidFill>
+                          <a:srgbClr val="000000"/>
+                        </a:solidFill>
+                        <a:effectLst/>
+                        <a:latin typeface="Calibri" panose="020F0502020204030204" pitchFamily="34" charset="0"/>
+                      </a:endParaRPr>
+                    </a:p>
+                  </a:txBody>
+                  <a:tcPr marL="32393" marR="32393" marT="32393" marB="0" anchor="b"/>
+                </a:tc>
+                <a:extLst>
+                  <a:ext uri="{0D108BD9-81ED-4DB2-BD59-A6C34878D82A}">
+                    <a16:rowId xmlns:a16="http://schemas.microsoft.com/office/drawing/2014/main" val="2001312851"/>
+                  </a:ext>
+                </a:extLst>
+              </a:tr>
+              <a:tr h="370840">
+                <a:tc>
+                  <a:txBody>
+                    <a:bodyPr/>
+                    <a:lstStyle/>
+                    <a:p>
+                      <a:endParaRPr lang="en-US" dirty="0"/>
+                    </a:p>
+                  </a:txBody>
+                  <a:tcPr>
+                    <a:solidFill>
+                      <a:schemeClr val="accent1">
+                        <a:lumMod val="75000"/>
+                      </a:schemeClr>
+                    </a:solidFill>
+                  </a:tcPr>
+                </a:tc>
+                <a:tc>
+                  <a:txBody>
+                    <a:bodyPr/>
+                    <a:lstStyle/>
+                    <a:p>
+                      <a:pPr algn="ctr" fontAlgn="b"/>
+                      <a:r>
+                        <a:rPr lang="en-US" sz="4000" u="none" strike="noStrike" dirty="0">
+                          <a:solidFill>
+                            <a:schemeClr val="bg1"/>
+                          </a:solidFill>
+                          <a:effectLst/>
+                        </a:rPr>
+                        <a:t>SURF</a:t>
+                      </a:r>
+                      <a:endParaRPr lang="en-US" sz="4000" b="0" i="0" u="none" strike="noStrike" dirty="0">
+                        <a:solidFill>
+                          <a:schemeClr val="bg1"/>
+                        </a:solidFill>
+                        <a:effectLst/>
+                        <a:latin typeface="Calibri" panose="020F0502020204030204" pitchFamily="34" charset="0"/>
+                      </a:endParaRPr>
+                    </a:p>
+                  </a:txBody>
+                  <a:tcPr marL="32393" marR="32393" marT="32393" marB="0" anchor="b">
+                    <a:solidFill>
+                      <a:schemeClr val="accent1">
+                        <a:lumMod val="75000"/>
+                      </a:schemeClr>
+                    </a:solidFill>
+                  </a:tcPr>
+                </a:tc>
+                <a:tc>
+                  <a:txBody>
+                    <a:bodyPr/>
+                    <a:lstStyle/>
+                    <a:p>
+                      <a:pPr algn="ctr" fontAlgn="b"/>
+                      <a:r>
+                        <a:rPr lang="en-US" sz="4000" u="none" strike="noStrike" dirty="0">
+                          <a:solidFill>
+                            <a:schemeClr val="bg1"/>
+                          </a:solidFill>
+                          <a:effectLst/>
+                        </a:rPr>
+                        <a:t>Feature Match</a:t>
+                      </a:r>
+                      <a:endParaRPr lang="en-US" sz="4000" b="0" i="0" u="none" strike="noStrike" dirty="0">
+                        <a:solidFill>
+                          <a:schemeClr val="bg1"/>
+                        </a:solidFill>
+                        <a:effectLst/>
+                        <a:latin typeface="Calibri" panose="020F0502020204030204" pitchFamily="34" charset="0"/>
+                      </a:endParaRPr>
+                    </a:p>
+                  </a:txBody>
+                  <a:tcPr marL="32393" marR="32393" marT="32393" marB="0" anchor="b">
+                    <a:solidFill>
+                      <a:schemeClr val="accent1">
+                        <a:lumMod val="75000"/>
+                      </a:schemeClr>
+                    </a:solidFill>
+                  </a:tcPr>
+                </a:tc>
+                <a:tc>
+                  <a:txBody>
+                    <a:bodyPr/>
+                    <a:lstStyle/>
+                    <a:p>
+                      <a:pPr algn="ctr" fontAlgn="b"/>
+                      <a:r>
+                        <a:rPr lang="en-US" sz="4000" u="none" strike="noStrike" dirty="0">
+                          <a:solidFill>
+                            <a:schemeClr val="bg1"/>
+                          </a:solidFill>
+                          <a:effectLst/>
+                        </a:rPr>
+                        <a:t>Stitching</a:t>
+                      </a:r>
+                      <a:r>
+                        <a:rPr lang="en-US" sz="4000" u="none" strike="noStrike" baseline="0" dirty="0">
+                          <a:solidFill>
+                            <a:schemeClr val="bg1"/>
+                          </a:solidFill>
+                          <a:effectLst/>
+                        </a:rPr>
+                        <a:t> Order</a:t>
+                      </a:r>
+                      <a:endParaRPr lang="en-US" sz="4000" b="0" i="0" u="none" strike="noStrike" dirty="0">
+                        <a:solidFill>
+                          <a:schemeClr val="bg1"/>
+                        </a:solidFill>
+                        <a:effectLst/>
+                        <a:latin typeface="Calibri" panose="020F0502020204030204" pitchFamily="34" charset="0"/>
+                      </a:endParaRPr>
+                    </a:p>
+                  </a:txBody>
+                  <a:tcPr marL="32393" marR="32393" marT="32393" marB="0" anchor="b">
+                    <a:solidFill>
+                      <a:schemeClr val="accent1">
+                        <a:lumMod val="75000"/>
+                      </a:schemeClr>
+                    </a:solidFill>
+                  </a:tcPr>
+                </a:tc>
+                <a:tc>
+                  <a:txBody>
+                    <a:bodyPr/>
+                    <a:lstStyle/>
+                    <a:p>
+                      <a:pPr algn="ctr" fontAlgn="b"/>
+                      <a:r>
+                        <a:rPr lang="en-US" sz="4000" u="none" strike="noStrike" dirty="0">
+                          <a:solidFill>
+                            <a:schemeClr val="bg1"/>
+                          </a:solidFill>
+                          <a:effectLst/>
+                        </a:rPr>
+                        <a:t>Stitching</a:t>
+                      </a:r>
+                      <a:endParaRPr lang="en-US" sz="4000" b="0" i="0" u="none" strike="noStrike" dirty="0">
+                        <a:solidFill>
+                          <a:schemeClr val="bg1"/>
+                        </a:solidFill>
+                        <a:effectLst/>
+                        <a:latin typeface="Calibri" panose="020F0502020204030204" pitchFamily="34" charset="0"/>
+                      </a:endParaRPr>
+                    </a:p>
+                  </a:txBody>
+                  <a:tcPr marL="32393" marR="32393" marT="32393" marB="0" anchor="b">
+                    <a:solidFill>
+                      <a:schemeClr val="accent1">
+                        <a:lumMod val="75000"/>
+                      </a:schemeClr>
+                    </a:solidFill>
+                  </a:tcPr>
+                </a:tc>
+                <a:tc>
+                  <a:txBody>
+                    <a:bodyPr/>
+                    <a:lstStyle/>
+                    <a:p>
+                      <a:pPr algn="ctr" fontAlgn="b"/>
+                      <a:r>
+                        <a:rPr lang="en-US" sz="4000" u="none" strike="noStrike" dirty="0">
+                          <a:solidFill>
+                            <a:schemeClr val="bg1"/>
+                          </a:solidFill>
+                          <a:effectLst/>
+                        </a:rPr>
+                        <a:t>TOTAL</a:t>
+                      </a:r>
+                      <a:endParaRPr lang="en-US" sz="4000" b="0" i="0" u="none" strike="noStrike" dirty="0">
+                        <a:solidFill>
+                          <a:schemeClr val="bg1"/>
+                        </a:solidFill>
+                        <a:effectLst/>
+                        <a:latin typeface="Calibri" panose="020F0502020204030204" pitchFamily="34" charset="0"/>
+                      </a:endParaRPr>
+                    </a:p>
+                  </a:txBody>
+                  <a:tcPr marL="32393" marR="32393" marT="32393" marB="0" anchor="b">
+                    <a:solidFill>
+                      <a:schemeClr val="accent1">
+                        <a:lumMod val="75000"/>
+                      </a:schemeClr>
+                    </a:solidFill>
+                  </a:tcPr>
+                </a:tc>
+                <a:extLst>
+                  <a:ext uri="{0D108BD9-81ED-4DB2-BD59-A6C34878D82A}">
+                    <a16:rowId xmlns:a16="http://schemas.microsoft.com/office/drawing/2014/main" val="4283396266"/>
+                  </a:ext>
+                </a:extLst>
+              </a:tr>
+              <a:tr h="370840">
+                <a:tc>
+                  <a:txBody>
+                    <a:bodyPr/>
+                    <a:lstStyle/>
+                    <a:p>
+                      <a:pPr algn="ctr"/>
+                      <a:r>
+                        <a:rPr lang="en-US" dirty="0"/>
+                        <a:t>w/o</a:t>
+                      </a:r>
+                      <a:r>
+                        <a:rPr lang="en-US" baseline="0" dirty="0"/>
+                        <a:t> Scaling</a:t>
+                      </a:r>
+                      <a:endParaRPr lang="en-US" dirty="0"/>
+                    </a:p>
+                  </a:txBody>
+                  <a:tcPr/>
+                </a:tc>
+                <a:tc>
+                  <a:txBody>
+                    <a:bodyPr/>
+                    <a:lstStyle/>
+                    <a:p>
+                      <a:pPr algn="r" fontAlgn="b"/>
+                      <a:r>
+                        <a:rPr lang="en-US" sz="3800" u="none" strike="noStrike" dirty="0">
+                          <a:effectLst/>
+                        </a:rPr>
+                        <a:t>7.99s</a:t>
+                      </a:r>
+                      <a:endParaRPr lang="en-US" sz="3800" b="0" i="0" u="none" strike="noStrike" dirty="0">
+                        <a:solidFill>
+                          <a:srgbClr val="000000"/>
+                        </a:solidFill>
+                        <a:effectLst/>
+                        <a:latin typeface="Calibri" panose="020F0502020204030204" pitchFamily="34" charset="0"/>
+                      </a:endParaRPr>
+                    </a:p>
+                  </a:txBody>
+                  <a:tcPr marL="32393" marR="32393" marT="32393" marB="0" anchor="b"/>
+                </a:tc>
+                <a:tc>
+                  <a:txBody>
+                    <a:bodyPr/>
+                    <a:lstStyle/>
+                    <a:p>
+                      <a:pPr algn="r" fontAlgn="b"/>
+                      <a:r>
+                        <a:rPr lang="en-US" sz="3800" u="none" strike="noStrike" dirty="0">
+                          <a:effectLst/>
+                        </a:rPr>
+                        <a:t>0.96s</a:t>
+                      </a:r>
+                      <a:endParaRPr lang="en-US" sz="3800" b="0" i="0" u="none" strike="noStrike" dirty="0">
+                        <a:solidFill>
+                          <a:srgbClr val="000000"/>
+                        </a:solidFill>
+                        <a:effectLst/>
+                        <a:latin typeface="Calibri" panose="020F0502020204030204" pitchFamily="34" charset="0"/>
+                      </a:endParaRPr>
+                    </a:p>
+                  </a:txBody>
+                  <a:tcPr marL="32393" marR="32393" marT="32393" marB="0" anchor="b"/>
+                </a:tc>
+                <a:tc>
+                  <a:txBody>
+                    <a:bodyPr/>
+                    <a:lstStyle/>
+                    <a:p>
+                      <a:pPr algn="r" fontAlgn="b"/>
+                      <a:r>
+                        <a:rPr lang="en-US" sz="3800" u="none" strike="noStrike" dirty="0">
+                          <a:effectLst/>
+                        </a:rPr>
+                        <a:t>4.02s</a:t>
+                      </a:r>
+                      <a:endParaRPr lang="en-US" sz="3800" b="0" i="0" u="none" strike="noStrike" dirty="0">
+                        <a:solidFill>
+                          <a:srgbClr val="000000"/>
+                        </a:solidFill>
+                        <a:effectLst/>
+                        <a:latin typeface="Calibri" panose="020F0502020204030204" pitchFamily="34" charset="0"/>
+                      </a:endParaRPr>
+                    </a:p>
+                  </a:txBody>
+                  <a:tcPr marL="32393" marR="32393" marT="32393" marB="0" anchor="b"/>
+                </a:tc>
+                <a:tc>
+                  <a:txBody>
+                    <a:bodyPr/>
+                    <a:lstStyle/>
+                    <a:p>
+                      <a:pPr algn="r" fontAlgn="b"/>
+                      <a:r>
+                        <a:rPr lang="en-US" sz="3800" u="none" strike="noStrike" dirty="0">
+                          <a:effectLst/>
+                        </a:rPr>
+                        <a:t>5.62s</a:t>
+                      </a:r>
+                      <a:endParaRPr lang="en-US" sz="3800" b="0" i="0" u="none" strike="noStrike" dirty="0">
+                        <a:solidFill>
+                          <a:srgbClr val="000000"/>
+                        </a:solidFill>
+                        <a:effectLst/>
+                        <a:latin typeface="Calibri" panose="020F0502020204030204" pitchFamily="34" charset="0"/>
+                      </a:endParaRPr>
+                    </a:p>
+                  </a:txBody>
+                  <a:tcPr marL="32393" marR="32393" marT="32393" marB="0" anchor="b"/>
+                </a:tc>
+                <a:tc>
+                  <a:txBody>
+                    <a:bodyPr/>
+                    <a:lstStyle/>
+                    <a:p>
+                      <a:pPr algn="r" fontAlgn="b"/>
+                      <a:r>
+                        <a:rPr lang="en-US" sz="3800" u="none" strike="noStrike" dirty="0">
+                          <a:effectLst/>
+                        </a:rPr>
+                        <a:t>25.26s</a:t>
+                      </a:r>
+                      <a:endParaRPr lang="en-US" sz="3800" b="0" i="0" u="none" strike="noStrike" dirty="0">
+                        <a:solidFill>
+                          <a:srgbClr val="000000"/>
+                        </a:solidFill>
+                        <a:effectLst/>
+                        <a:latin typeface="Calibri" panose="020F0502020204030204" pitchFamily="34" charset="0"/>
+                      </a:endParaRPr>
+                    </a:p>
+                  </a:txBody>
+                  <a:tcPr marL="32393" marR="32393" marT="32393" marB="0" anchor="b"/>
+                </a:tc>
+                <a:extLst>
+                  <a:ext uri="{0D108BD9-81ED-4DB2-BD59-A6C34878D82A}">
+                    <a16:rowId xmlns:a16="http://schemas.microsoft.com/office/drawing/2014/main" val="3363849002"/>
+                  </a:ext>
+                </a:extLst>
+              </a:tr>
+              <a:tr h="370840">
+                <a:tc>
+                  <a:txBody>
+                    <a:bodyPr/>
+                    <a:lstStyle/>
+                    <a:p>
+                      <a:pPr algn="ctr"/>
+                      <a:r>
+                        <a:rPr lang="en-US" dirty="0"/>
+                        <a:t>Scaled  to 30%</a:t>
+                      </a:r>
+                    </a:p>
+                  </a:txBody>
+                  <a:tcPr/>
+                </a:tc>
+                <a:tc>
+                  <a:txBody>
+                    <a:bodyPr/>
+                    <a:lstStyle/>
+                    <a:p>
+                      <a:pPr algn="r" fontAlgn="b"/>
+                      <a:r>
+                        <a:rPr lang="en-US" sz="3800" u="none" strike="noStrike" kern="1200" dirty="0">
+                          <a:solidFill>
+                            <a:schemeClr val="dk1"/>
+                          </a:solidFill>
+                          <a:effectLst/>
+                          <a:latin typeface="+mn-lt"/>
+                          <a:ea typeface="+mn-ea"/>
+                          <a:cs typeface="+mn-cs"/>
+                        </a:rPr>
+                        <a:t>1.09s</a:t>
+                      </a:r>
+                    </a:p>
+                  </a:txBody>
+                  <a:tcPr marL="9525" marR="9525" marT="9525" marB="0" anchor="b"/>
+                </a:tc>
+                <a:tc>
+                  <a:txBody>
+                    <a:bodyPr/>
+                    <a:lstStyle/>
+                    <a:p>
+                      <a:pPr algn="r" fontAlgn="b"/>
+                      <a:r>
+                        <a:rPr lang="en-US" sz="3800" u="none" strike="noStrike" kern="1200" dirty="0">
+                          <a:solidFill>
+                            <a:schemeClr val="dk1"/>
+                          </a:solidFill>
+                          <a:effectLst/>
+                          <a:latin typeface="+mn-lt"/>
+                          <a:ea typeface="+mn-ea"/>
+                          <a:cs typeface="+mn-cs"/>
+                        </a:rPr>
+                        <a:t>0.47s</a:t>
+                      </a:r>
+                    </a:p>
+                  </a:txBody>
+                  <a:tcPr marL="9525" marR="9525" marT="9525" marB="0" anchor="b"/>
+                </a:tc>
+                <a:tc>
+                  <a:txBody>
+                    <a:bodyPr/>
+                    <a:lstStyle/>
+                    <a:p>
+                      <a:pPr algn="r" fontAlgn="b"/>
+                      <a:r>
+                        <a:rPr lang="en-US" sz="3800" u="none" strike="noStrike" kern="1200" dirty="0">
+                          <a:solidFill>
+                            <a:schemeClr val="dk1"/>
+                          </a:solidFill>
+                          <a:effectLst/>
+                          <a:latin typeface="+mn-lt"/>
+                          <a:ea typeface="+mn-ea"/>
+                          <a:cs typeface="+mn-cs"/>
+                        </a:rPr>
+                        <a:t>2.01s</a:t>
+                      </a:r>
+                    </a:p>
+                  </a:txBody>
+                  <a:tcPr marL="9525" marR="9525" marT="9525" marB="0" anchor="b"/>
+                </a:tc>
+                <a:tc>
+                  <a:txBody>
+                    <a:bodyPr/>
+                    <a:lstStyle/>
+                    <a:p>
+                      <a:pPr algn="r" fontAlgn="b"/>
+                      <a:r>
+                        <a:rPr lang="en-US" sz="3800" u="none" strike="noStrike" kern="1200" dirty="0">
+                          <a:solidFill>
+                            <a:schemeClr val="dk1"/>
+                          </a:solidFill>
+                          <a:effectLst/>
+                          <a:latin typeface="+mn-lt"/>
+                          <a:ea typeface="+mn-ea"/>
+                          <a:cs typeface="+mn-cs"/>
+                        </a:rPr>
+                        <a:t>5.08s</a:t>
+                      </a:r>
+                    </a:p>
+                  </a:txBody>
+                  <a:tcPr marL="9525" marR="9525" marT="9525" marB="0" anchor="b"/>
+                </a:tc>
+                <a:tc>
+                  <a:txBody>
+                    <a:bodyPr/>
+                    <a:lstStyle/>
+                    <a:p>
+                      <a:pPr algn="r" fontAlgn="b"/>
+                      <a:r>
+                        <a:rPr lang="en-US" sz="3800" u="none" strike="noStrike" kern="1200" dirty="0">
+                          <a:solidFill>
+                            <a:schemeClr val="dk1"/>
+                          </a:solidFill>
+                          <a:effectLst/>
+                          <a:latin typeface="+mn-lt"/>
+                          <a:ea typeface="+mn-ea"/>
+                          <a:cs typeface="+mn-cs"/>
+                        </a:rPr>
+                        <a:t>10.47s</a:t>
+                      </a:r>
+                    </a:p>
+                  </a:txBody>
+                  <a:tcPr marL="9525" marR="9525" marT="9525" marB="0" anchor="b"/>
+                </a:tc>
+                <a:extLst>
+                  <a:ext uri="{0D108BD9-81ED-4DB2-BD59-A6C34878D82A}">
+                    <a16:rowId xmlns:a16="http://schemas.microsoft.com/office/drawing/2014/main" val="3172649307"/>
+                  </a:ext>
+                </a:extLst>
+              </a:tr>
+            </a:tbl>
+          </a:graphicData>
+        </a:graphic>
+      </p:graphicFrame>
     </p:spTree>
     <p:extLst>
       <p:ext uri="{BB962C8B-B14F-4D97-AF65-F5344CB8AC3E}">

--- a/poster2/Presentation2.pptx
+++ b/poster2/Presentation2.pptx
@@ -3165,7 +3165,7 @@
         <p:spPr>
           <a:xfrm>
             <a:off x="827616" y="4037458"/>
-            <a:ext cx="20001204" cy="1508105"/>
+            <a:ext cx="20001204" cy="1015663"/>
           </a:xfrm>
           <a:prstGeom prst="rect">
             <a:avLst/>
@@ -3187,34 +3187,34 @@
               </a:spcAft>
             </a:pPr>
             <a:r>
-              <a:rPr lang="en-US" altLang="zh-TW" sz="4800" dirty="0">
+              <a:rPr lang="en-US" altLang="zh-TW" sz="3200" dirty="0">
                 <a:latin typeface="微軟正黑體" panose="020B0604030504040204" pitchFamily="34" charset="-120"/>
                 <a:ea typeface="微軟正黑體" panose="020B0604030504040204" pitchFamily="34" charset="-120"/>
               </a:rPr>
               <a:t>		</a:t>
             </a:r>
             <a:r>
-              <a:rPr lang="zh-TW" altLang="en-US" sz="4400" dirty="0">
+              <a:rPr lang="zh-TW" altLang="en-US" sz="2800" dirty="0">
                 <a:latin typeface="微軟正黑體" panose="020B0604030504040204" pitchFamily="34" charset="-120"/>
                 <a:ea typeface="微軟正黑體" panose="020B0604030504040204" pitchFamily="34" charset="-120"/>
               </a:rPr>
-              <a:t>上學期完成平面影像縫合的核心演算法後，這個學期我們首先試著將演算移植到</a:t>
-            </a:r>
-            <a:r>
-              <a:rPr lang="en-US" altLang="zh-TW" sz="4400" dirty="0">
+              <a:t>上學期完成平面影像縫合的核心演算法後，這個學期我們首先將演算移植到</a:t>
+            </a:r>
+            <a:r>
+              <a:rPr lang="en-US" altLang="zh-TW" sz="2800" dirty="0">
                 <a:latin typeface="微軟正黑體" panose="020B0604030504040204" pitchFamily="34" charset="-120"/>
                 <a:ea typeface="微軟正黑體" panose="020B0604030504040204" pitchFamily="34" charset="-120"/>
               </a:rPr>
               <a:t>Java</a:t>
             </a:r>
             <a:r>
-              <a:rPr lang="zh-TW" altLang="en-US" sz="4400" dirty="0">
+              <a:rPr lang="zh-TW" altLang="en-US" sz="2800" dirty="0">
                 <a:latin typeface="微軟正黑體" panose="020B0604030504040204" pitchFamily="34" charset="-120"/>
                 <a:ea typeface="微軟正黑體" panose="020B0604030504040204" pitchFamily="34" charset="-120"/>
               </a:rPr>
               <a:t>平台，之後再利用多項技巧加速文件縫合速度與優化文件縫合效果。</a:t>
             </a:r>
-            <a:endParaRPr lang="en-US" sz="2800" dirty="0">
+            <a:endParaRPr lang="en-US" sz="1600" dirty="0">
               <a:latin typeface="微軟正黑體" panose="020B0604030504040204" pitchFamily="34" charset="-120"/>
               <a:ea typeface="微軟正黑體" panose="020B0604030504040204" pitchFamily="34" charset="-120"/>
             </a:endParaRPr>
@@ -3229,8 +3229,8 @@
         </p:nvSpPr>
         <p:spPr>
           <a:xfrm>
-            <a:off x="827616" y="6134688"/>
-            <a:ext cx="20001204" cy="3847207"/>
+            <a:off x="827616" y="5235365"/>
+            <a:ext cx="20001204" cy="2308324"/>
           </a:xfrm>
           <a:prstGeom prst="rect">
             <a:avLst/>
@@ -3252,28 +3252,28 @@
               </a:spcAft>
             </a:pPr>
             <a:r>
-              <a:rPr lang="zh-TW" altLang="en-US" sz="4800" b="1" dirty="0">
+              <a:rPr lang="zh-TW" altLang="en-US" sz="4000" b="1" dirty="0">
                 <a:latin typeface="微軟正黑體" panose="020B0604030504040204" pitchFamily="34" charset="-120"/>
                 <a:ea typeface="微軟正黑體" panose="020B0604030504040204" pitchFamily="34" charset="-120"/>
               </a:rPr>
               <a:t>像素差</a:t>
             </a:r>
             <a:r>
-              <a:rPr lang="en-US" altLang="zh-TW" sz="4800" b="1" dirty="0">
+              <a:rPr lang="en-US" altLang="zh-TW" sz="4000" b="1" dirty="0">
                 <a:latin typeface="微軟正黑體" panose="020B0604030504040204" pitchFamily="34" charset="-120"/>
                 <a:ea typeface="微軟正黑體" panose="020B0604030504040204" pitchFamily="34" charset="-120"/>
               </a:rPr>
               <a:t>(Pixel Difference)</a:t>
             </a:r>
             <a:r>
-              <a:rPr lang="zh-TW" altLang="en-US" sz="4800" b="1" dirty="0">
+              <a:rPr lang="zh-TW" altLang="en-US" sz="4000" b="1" dirty="0">
                 <a:latin typeface="微軟正黑體" panose="020B0604030504040204" pitchFamily="34" charset="-120"/>
                 <a:ea typeface="微軟正黑體" panose="020B0604030504040204" pitchFamily="34" charset="-120"/>
               </a:rPr>
               <a:t>與梯度</a:t>
             </a:r>
             <a:r>
-              <a:rPr lang="en-US" altLang="zh-TW" sz="4800" b="1" dirty="0">
+              <a:rPr lang="en-US" altLang="zh-TW" sz="4000" b="1" dirty="0">
                 <a:latin typeface="微軟正黑體" panose="020B0604030504040204" pitchFamily="34" charset="-120"/>
                 <a:ea typeface="微軟正黑體" panose="020B0604030504040204" pitchFamily="34" charset="-120"/>
               </a:rPr>
@@ -3290,28 +3290,28 @@
               </a:spcAft>
             </a:pPr>
             <a:r>
-              <a:rPr lang="en-US" altLang="zh-TW" sz="4400" dirty="0">
+              <a:rPr lang="en-US" altLang="zh-TW" sz="2800" dirty="0">
                 <a:latin typeface="微軟正黑體" panose="020B0604030504040204" pitchFamily="34" charset="-120"/>
                 <a:ea typeface="微軟正黑體" panose="020B0604030504040204" pitchFamily="34" charset="-120"/>
               </a:rPr>
               <a:t>		</a:t>
             </a:r>
             <a:r>
-              <a:rPr lang="zh-TW" altLang="en-US" sz="4400" dirty="0">
+              <a:rPr lang="zh-TW" altLang="en-US" sz="2800" dirty="0">
                 <a:latin typeface="微軟正黑體" panose="020B0604030504040204" pitchFamily="34" charset="-120"/>
                 <a:ea typeface="微軟正黑體" panose="020B0604030504040204" pitchFamily="34" charset="-120"/>
               </a:rPr>
               <a:t>過去在搜尋最佳縫線時，我們計算該點在兩張圖上的像素差，以此作為該點的誤差值</a:t>
             </a:r>
             <a:r>
-              <a:rPr lang="en-US" altLang="zh-TW" sz="4400" dirty="0">
+              <a:rPr lang="en-US" altLang="zh-TW" sz="2800" dirty="0">
                 <a:latin typeface="微軟正黑體" panose="020B0604030504040204" pitchFamily="34" charset="-120"/>
                 <a:ea typeface="微軟正黑體" panose="020B0604030504040204" pitchFamily="34" charset="-120"/>
               </a:rPr>
               <a:t>(Error)</a:t>
             </a:r>
             <a:r>
-              <a:rPr lang="zh-TW" altLang="en-US" sz="4400" dirty="0">
+              <a:rPr lang="zh-TW" altLang="en-US" sz="2800" dirty="0">
                 <a:latin typeface="微軟正黑體" panose="020B0604030504040204" pitchFamily="34" charset="-120"/>
                 <a:ea typeface="微軟正黑體" panose="020B0604030504040204" pitchFamily="34" charset="-120"/>
               </a:rPr>
@@ -3332,8 +3332,8 @@
         </p:nvSpPr>
         <p:spPr>
           <a:xfrm>
-            <a:off x="827616" y="10571020"/>
-            <a:ext cx="20001204" cy="3170099"/>
+            <a:off x="673562" y="27932551"/>
+            <a:ext cx="20001204" cy="2154436"/>
           </a:xfrm>
           <a:prstGeom prst="rect">
             <a:avLst/>
@@ -3355,17 +3355,1031 @@
               </a:spcAft>
             </a:pPr>
             <a:r>
-              <a:rPr lang="zh-TW" altLang="en-US" sz="4800" b="1" dirty="0">
+              <a:rPr lang="zh-TW" altLang="en-US" sz="4000" b="1" dirty="0">
                 <a:latin typeface="微軟正黑體" panose="020B0604030504040204" pitchFamily="34" charset="-120"/>
                 <a:ea typeface="微軟正黑體" panose="020B0604030504040204" pitchFamily="34" charset="-120"/>
               </a:rPr>
-              <a:t>特徵與最佳縫線搜尋加速</a:t>
-            </a:r>
-            <a:endParaRPr lang="en-US" altLang="zh-TW" sz="4800" b="1" dirty="0">
+              <a:t>結論</a:t>
+            </a:r>
+            <a:endParaRPr lang="en-US" altLang="zh-TW" sz="4000" b="1" dirty="0">
               <a:latin typeface="微軟正黑體" panose="020B0604030504040204" pitchFamily="34" charset="-120"/>
               <a:ea typeface="微軟正黑體" panose="020B0604030504040204" pitchFamily="34" charset="-120"/>
             </a:endParaRPr>
           </a:p>
+          <a:p>
+            <a:pPr fontAlgn="b"/>
+            <a:r>
+              <a:rPr lang="en-US" altLang="zh-TW" sz="2800" dirty="0">
+                <a:latin typeface="微軟正黑體" panose="020B0604030504040204" pitchFamily="34" charset="-120"/>
+                <a:ea typeface="微軟正黑體" panose="020B0604030504040204" pitchFamily="34" charset="-120"/>
+              </a:rPr>
+              <a:t>	</a:t>
+            </a:r>
+            <a:r>
+              <a:rPr lang="zh-TW" altLang="en-US" sz="2800" dirty="0">
+                <a:latin typeface="微軟正黑體" panose="020B0604030504040204" pitchFamily="34" charset="-120"/>
+                <a:ea typeface="微軟正黑體" panose="020B0604030504040204" pitchFamily="34" charset="-120"/>
+              </a:rPr>
+              <a:t>在這次專題中我們測試了多項加速與優化技巧，上述的前兩項技巧皆對於整體文件的縫合效果有正面的影響，而</a:t>
+            </a:r>
+            <a:r>
+              <a:rPr lang="en-US" altLang="zh-TW" sz="2800" dirty="0">
+                <a:latin typeface="微軟正黑體" panose="020B0604030504040204" pitchFamily="34" charset="-120"/>
+                <a:ea typeface="微軟正黑體" panose="020B0604030504040204" pitchFamily="34" charset="-120"/>
+              </a:rPr>
+              <a:t>Text Detection</a:t>
+            </a:r>
+            <a:r>
+              <a:rPr lang="zh-TW" altLang="en-US" sz="2800" dirty="0">
+                <a:latin typeface="微軟正黑體" panose="020B0604030504040204" pitchFamily="34" charset="-120"/>
+                <a:ea typeface="微軟正黑體" panose="020B0604030504040204" pitchFamily="34" charset="-120"/>
+              </a:rPr>
+              <a:t>則需要更進一步的修正。在手機平台上，</a:t>
+            </a:r>
+            <a:r>
+              <a:rPr lang="en-US" altLang="zh-TW" sz="2800" dirty="0">
+                <a:latin typeface="微軟正黑體" panose="020B0604030504040204" pitchFamily="34" charset="-120"/>
+                <a:ea typeface="微軟正黑體" panose="020B0604030504040204" pitchFamily="34" charset="-120"/>
+              </a:rPr>
+              <a:t>Java</a:t>
+            </a:r>
+            <a:r>
+              <a:rPr lang="zh-TW" altLang="en-US" sz="2800" dirty="0">
+                <a:latin typeface="微軟正黑體" panose="020B0604030504040204" pitchFamily="34" charset="-120"/>
+                <a:ea typeface="微軟正黑體" panose="020B0604030504040204" pitchFamily="34" charset="-120"/>
+              </a:rPr>
+              <a:t>版本程式雖然能正常運行，但程式的優化不足，因此仍無法將程式移植到手機上。</a:t>
+            </a:r>
+            <a:endParaRPr lang="en-US" altLang="zh-TW" sz="2800" dirty="0">
+              <a:latin typeface="微軟正黑體" panose="020B0604030504040204" pitchFamily="34" charset="-120"/>
+              <a:ea typeface="微軟正黑體" panose="020B0604030504040204" pitchFamily="34" charset="-120"/>
+            </a:endParaRPr>
+          </a:p>
+        </p:txBody>
+      </p:sp>
+      <p:graphicFrame>
+        <p:nvGraphicFramePr>
+          <p:cNvPr id="9" name="Table 8"/>
+          <p:cNvGraphicFramePr>
+            <a:graphicFrameLocks noGrp="1"/>
+          </p:cNvGraphicFramePr>
+          <p:nvPr>
+            <p:extLst>
+              <p:ext uri="{D42A27DB-BD31-4B8C-83A1-F6EECF244321}">
+                <p14:modId xmlns:p14="http://schemas.microsoft.com/office/powerpoint/2010/main" val="1079103518"/>
+              </p:ext>
+            </p:extLst>
+          </p:nvPr>
+        </p:nvGraphicFramePr>
+        <p:xfrm>
+          <a:off x="2056009" y="16150299"/>
+          <a:ext cx="16237601" cy="2380020"/>
+        </p:xfrm>
+        <a:graphic>
+          <a:graphicData uri="http://schemas.openxmlformats.org/drawingml/2006/table">
+            <a:tbl>
+              <a:tblPr firstRow="1" bandRow="1">
+                <a:tableStyleId>{7DF18680-E054-41AD-8BC1-D1AEF772440D}</a:tableStyleId>
+              </a:tblPr>
+              <a:tblGrid>
+                <a:gridCol w="2818472">
+                  <a:extLst>
+                    <a:ext uri="{9D8B030D-6E8A-4147-A177-3AD203B41FA5}">
+                      <a16:colId xmlns:a16="http://schemas.microsoft.com/office/drawing/2014/main" val="4081085336"/>
+                    </a:ext>
+                  </a:extLst>
+                </a:gridCol>
+                <a:gridCol w="2594061">
+                  <a:extLst>
+                    <a:ext uri="{9D8B030D-6E8A-4147-A177-3AD203B41FA5}">
+                      <a16:colId xmlns:a16="http://schemas.microsoft.com/office/drawing/2014/main" val="2774472591"/>
+                    </a:ext>
+                  </a:extLst>
+                </a:gridCol>
+                <a:gridCol w="2706267">
+                  <a:extLst>
+                    <a:ext uri="{9D8B030D-6E8A-4147-A177-3AD203B41FA5}">
+                      <a16:colId xmlns:a16="http://schemas.microsoft.com/office/drawing/2014/main" val="3583958869"/>
+                    </a:ext>
+                  </a:extLst>
+                </a:gridCol>
+                <a:gridCol w="2706267">
+                  <a:extLst>
+                    <a:ext uri="{9D8B030D-6E8A-4147-A177-3AD203B41FA5}">
+                      <a16:colId xmlns:a16="http://schemas.microsoft.com/office/drawing/2014/main" val="859445991"/>
+                    </a:ext>
+                  </a:extLst>
+                </a:gridCol>
+                <a:gridCol w="2706267">
+                  <a:extLst>
+                    <a:ext uri="{9D8B030D-6E8A-4147-A177-3AD203B41FA5}">
+                      <a16:colId xmlns:a16="http://schemas.microsoft.com/office/drawing/2014/main" val="500072462"/>
+                    </a:ext>
+                  </a:extLst>
+                </a:gridCol>
+                <a:gridCol w="2706267">
+                  <a:extLst>
+                    <a:ext uri="{9D8B030D-6E8A-4147-A177-3AD203B41FA5}">
+                      <a16:colId xmlns:a16="http://schemas.microsoft.com/office/drawing/2014/main" val="2157207200"/>
+                    </a:ext>
+                  </a:extLst>
+                </a:gridCol>
+              </a:tblGrid>
+              <a:tr h="595005">
+                <a:tc gridSpan="6">
+                  <a:txBody>
+                    <a:bodyPr/>
+                    <a:lstStyle/>
+                    <a:p>
+                      <a:pPr algn="ctr"/>
+                      <a:r>
+                        <a:rPr lang="en-US" sz="3400" dirty="0"/>
+                        <a:t>Stitching</a:t>
+                      </a:r>
+                      <a:r>
+                        <a:rPr lang="en-US" sz="3400" baseline="0" dirty="0"/>
+                        <a:t> time of t</a:t>
+                      </a:r>
+                      <a:r>
+                        <a:rPr lang="en-US" sz="3400" dirty="0"/>
+                        <a:t>wo</a:t>
+                      </a:r>
+                      <a:r>
+                        <a:rPr lang="en-US" sz="3400" baseline="0" dirty="0"/>
+                        <a:t> </a:t>
+                      </a:r>
+                      <a:r>
+                        <a:rPr lang="en-US" sz="3400" dirty="0"/>
+                        <a:t>Images</a:t>
+                      </a:r>
+                      <a:r>
+                        <a:rPr lang="en-US" sz="3400" baseline="0" dirty="0"/>
+                        <a:t> -</a:t>
+                      </a:r>
+                      <a:r>
+                        <a:rPr lang="en-US" sz="3400" dirty="0"/>
+                        <a:t> 2448*3264px each</a:t>
+                      </a:r>
+                      <a:r>
+                        <a:rPr lang="en-US" sz="3400" baseline="0" dirty="0"/>
+                        <a:t> -</a:t>
+                      </a:r>
+                      <a:r>
+                        <a:rPr lang="en-US" sz="3400" dirty="0"/>
+                        <a:t> Average</a:t>
+                      </a:r>
+                      <a:r>
+                        <a:rPr lang="en-US" sz="3400" baseline="0" dirty="0"/>
+                        <a:t> of five tests</a:t>
+                      </a:r>
+                      <a:endParaRPr lang="en-US" sz="3400" dirty="0"/>
+                    </a:p>
+                  </a:txBody>
+                  <a:tcPr marL="74234" marR="74234" marT="37117" marB="37117">
+                    <a:solidFill>
+                      <a:schemeClr val="accent1">
+                        <a:lumMod val="75000"/>
+                      </a:schemeClr>
+                    </a:solidFill>
+                  </a:tcPr>
+                </a:tc>
+                <a:tc hMerge="1">
+                  <a:txBody>
+                    <a:bodyPr/>
+                    <a:lstStyle/>
+                    <a:p>
+                      <a:pPr algn="ctr" fontAlgn="b"/>
+                      <a:endParaRPr lang="en-US" sz="3800" b="0" i="0" u="none" strike="noStrike" dirty="0">
+                        <a:solidFill>
+                          <a:srgbClr val="000000"/>
+                        </a:solidFill>
+                        <a:effectLst/>
+                        <a:latin typeface="Calibri" panose="020F0502020204030204" pitchFamily="34" charset="0"/>
+                      </a:endParaRPr>
+                    </a:p>
+                  </a:txBody>
+                  <a:tcPr marL="32393" marR="32393" marT="32393" marB="0" anchor="b"/>
+                </a:tc>
+                <a:tc hMerge="1">
+                  <a:txBody>
+                    <a:bodyPr/>
+                    <a:lstStyle/>
+                    <a:p>
+                      <a:pPr algn="ctr" fontAlgn="b"/>
+                      <a:endParaRPr lang="en-US" sz="3800" b="0" i="0" u="none" strike="noStrike" dirty="0">
+                        <a:solidFill>
+                          <a:srgbClr val="000000"/>
+                        </a:solidFill>
+                        <a:effectLst/>
+                        <a:latin typeface="Calibri" panose="020F0502020204030204" pitchFamily="34" charset="0"/>
+                      </a:endParaRPr>
+                    </a:p>
+                  </a:txBody>
+                  <a:tcPr marL="32393" marR="32393" marT="32393" marB="0" anchor="b"/>
+                </a:tc>
+                <a:tc hMerge="1">
+                  <a:txBody>
+                    <a:bodyPr/>
+                    <a:lstStyle/>
+                    <a:p>
+                      <a:pPr algn="ctr" fontAlgn="b"/>
+                      <a:endParaRPr lang="en-US" sz="3800" b="0" i="0" u="none" strike="noStrike" dirty="0">
+                        <a:solidFill>
+                          <a:srgbClr val="000000"/>
+                        </a:solidFill>
+                        <a:effectLst/>
+                        <a:latin typeface="Calibri" panose="020F0502020204030204" pitchFamily="34" charset="0"/>
+                      </a:endParaRPr>
+                    </a:p>
+                  </a:txBody>
+                  <a:tcPr marL="32393" marR="32393" marT="32393" marB="0" anchor="b"/>
+                </a:tc>
+                <a:tc hMerge="1">
+                  <a:txBody>
+                    <a:bodyPr/>
+                    <a:lstStyle/>
+                    <a:p>
+                      <a:pPr algn="ctr" fontAlgn="b"/>
+                      <a:endParaRPr lang="en-US" sz="3800" b="0" i="0" u="none" strike="noStrike" dirty="0">
+                        <a:solidFill>
+                          <a:srgbClr val="000000"/>
+                        </a:solidFill>
+                        <a:effectLst/>
+                        <a:latin typeface="Calibri" panose="020F0502020204030204" pitchFamily="34" charset="0"/>
+                      </a:endParaRPr>
+                    </a:p>
+                  </a:txBody>
+                  <a:tcPr marL="32393" marR="32393" marT="32393" marB="0" anchor="b"/>
+                </a:tc>
+                <a:tc hMerge="1">
+                  <a:txBody>
+                    <a:bodyPr/>
+                    <a:lstStyle/>
+                    <a:p>
+                      <a:pPr algn="ctr" fontAlgn="b"/>
+                      <a:endParaRPr lang="en-US" sz="3800" b="0" i="0" u="none" strike="noStrike" dirty="0">
+                        <a:solidFill>
+                          <a:srgbClr val="000000"/>
+                        </a:solidFill>
+                        <a:effectLst/>
+                        <a:latin typeface="Calibri" panose="020F0502020204030204" pitchFamily="34" charset="0"/>
+                      </a:endParaRPr>
+                    </a:p>
+                  </a:txBody>
+                  <a:tcPr marL="32393" marR="32393" marT="32393" marB="0" anchor="b"/>
+                </a:tc>
+                <a:extLst>
+                  <a:ext uri="{0D108BD9-81ED-4DB2-BD59-A6C34878D82A}">
+                    <a16:rowId xmlns:a16="http://schemas.microsoft.com/office/drawing/2014/main" val="2001312851"/>
+                  </a:ext>
+                </a:extLst>
+              </a:tr>
+              <a:tr h="595005">
+                <a:tc>
+                  <a:txBody>
+                    <a:bodyPr/>
+                    <a:lstStyle/>
+                    <a:p>
+                      <a:endParaRPr lang="en-US" sz="3400" dirty="0"/>
+                    </a:p>
+                  </a:txBody>
+                  <a:tcPr marL="74234" marR="74234" marT="37117" marB="37117">
+                    <a:solidFill>
+                      <a:schemeClr val="accent1">
+                        <a:lumMod val="75000"/>
+                      </a:schemeClr>
+                    </a:solidFill>
+                  </a:tcPr>
+                </a:tc>
+                <a:tc>
+                  <a:txBody>
+                    <a:bodyPr/>
+                    <a:lstStyle/>
+                    <a:p>
+                      <a:pPr algn="ctr" fontAlgn="b"/>
+                      <a:r>
+                        <a:rPr lang="en-US" sz="3200" u="none" strike="noStrike" dirty="0">
+                          <a:solidFill>
+                            <a:schemeClr val="bg1"/>
+                          </a:solidFill>
+                          <a:effectLst/>
+                        </a:rPr>
+                        <a:t>SURF</a:t>
+                      </a:r>
+                      <a:endParaRPr lang="en-US" sz="3200" b="0" i="0" u="none" strike="noStrike" dirty="0">
+                        <a:solidFill>
+                          <a:schemeClr val="bg1"/>
+                        </a:solidFill>
+                        <a:effectLst/>
+                        <a:latin typeface="Calibri" panose="020F0502020204030204" pitchFamily="34" charset="0"/>
+                      </a:endParaRPr>
+                    </a:p>
+                  </a:txBody>
+                  <a:tcPr marL="26298" marR="26298" marT="26298" marB="0" anchor="b">
+                    <a:solidFill>
+                      <a:schemeClr val="accent1">
+                        <a:lumMod val="75000"/>
+                      </a:schemeClr>
+                    </a:solidFill>
+                  </a:tcPr>
+                </a:tc>
+                <a:tc>
+                  <a:txBody>
+                    <a:bodyPr/>
+                    <a:lstStyle/>
+                    <a:p>
+                      <a:pPr algn="ctr" fontAlgn="b"/>
+                      <a:r>
+                        <a:rPr lang="en-US" sz="3200" u="none" strike="noStrike" dirty="0">
+                          <a:solidFill>
+                            <a:schemeClr val="bg1"/>
+                          </a:solidFill>
+                          <a:effectLst/>
+                        </a:rPr>
+                        <a:t>Feature Match</a:t>
+                      </a:r>
+                      <a:endParaRPr lang="en-US" sz="3200" b="0" i="0" u="none" strike="noStrike" dirty="0">
+                        <a:solidFill>
+                          <a:schemeClr val="bg1"/>
+                        </a:solidFill>
+                        <a:effectLst/>
+                        <a:latin typeface="Calibri" panose="020F0502020204030204" pitchFamily="34" charset="0"/>
+                      </a:endParaRPr>
+                    </a:p>
+                  </a:txBody>
+                  <a:tcPr marL="26298" marR="26298" marT="26298" marB="0" anchor="b">
+                    <a:solidFill>
+                      <a:schemeClr val="accent1">
+                        <a:lumMod val="75000"/>
+                      </a:schemeClr>
+                    </a:solidFill>
+                  </a:tcPr>
+                </a:tc>
+                <a:tc>
+                  <a:txBody>
+                    <a:bodyPr/>
+                    <a:lstStyle/>
+                    <a:p>
+                      <a:pPr algn="ctr" fontAlgn="b"/>
+                      <a:r>
+                        <a:rPr lang="en-US" sz="3200" u="none" strike="noStrike" dirty="0">
+                          <a:solidFill>
+                            <a:schemeClr val="bg1"/>
+                          </a:solidFill>
+                          <a:effectLst/>
+                        </a:rPr>
+                        <a:t>Stitching</a:t>
+                      </a:r>
+                      <a:r>
+                        <a:rPr lang="en-US" sz="3200" u="none" strike="noStrike" baseline="0" dirty="0">
+                          <a:solidFill>
+                            <a:schemeClr val="bg1"/>
+                          </a:solidFill>
+                          <a:effectLst/>
+                        </a:rPr>
+                        <a:t> Order</a:t>
+                      </a:r>
+                      <a:endParaRPr lang="en-US" sz="3200" b="0" i="0" u="none" strike="noStrike" dirty="0">
+                        <a:solidFill>
+                          <a:schemeClr val="bg1"/>
+                        </a:solidFill>
+                        <a:effectLst/>
+                        <a:latin typeface="Calibri" panose="020F0502020204030204" pitchFamily="34" charset="0"/>
+                      </a:endParaRPr>
+                    </a:p>
+                  </a:txBody>
+                  <a:tcPr marL="26298" marR="26298" marT="26298" marB="0" anchor="b">
+                    <a:solidFill>
+                      <a:schemeClr val="accent1">
+                        <a:lumMod val="75000"/>
+                      </a:schemeClr>
+                    </a:solidFill>
+                  </a:tcPr>
+                </a:tc>
+                <a:tc>
+                  <a:txBody>
+                    <a:bodyPr/>
+                    <a:lstStyle/>
+                    <a:p>
+                      <a:pPr algn="ctr" fontAlgn="b"/>
+                      <a:r>
+                        <a:rPr lang="en-US" sz="3200" u="none" strike="noStrike" dirty="0">
+                          <a:solidFill>
+                            <a:schemeClr val="bg1"/>
+                          </a:solidFill>
+                          <a:effectLst/>
+                        </a:rPr>
+                        <a:t>Stitching</a:t>
+                      </a:r>
+                      <a:endParaRPr lang="en-US" sz="3200" b="0" i="0" u="none" strike="noStrike" dirty="0">
+                        <a:solidFill>
+                          <a:schemeClr val="bg1"/>
+                        </a:solidFill>
+                        <a:effectLst/>
+                        <a:latin typeface="Calibri" panose="020F0502020204030204" pitchFamily="34" charset="0"/>
+                      </a:endParaRPr>
+                    </a:p>
+                  </a:txBody>
+                  <a:tcPr marL="26298" marR="26298" marT="26298" marB="0" anchor="b">
+                    <a:solidFill>
+                      <a:schemeClr val="accent1">
+                        <a:lumMod val="75000"/>
+                      </a:schemeClr>
+                    </a:solidFill>
+                  </a:tcPr>
+                </a:tc>
+                <a:tc>
+                  <a:txBody>
+                    <a:bodyPr/>
+                    <a:lstStyle/>
+                    <a:p>
+                      <a:pPr algn="ctr" fontAlgn="b"/>
+                      <a:r>
+                        <a:rPr lang="en-US" sz="3200" u="none" strike="noStrike" dirty="0">
+                          <a:solidFill>
+                            <a:schemeClr val="bg1"/>
+                          </a:solidFill>
+                          <a:effectLst/>
+                        </a:rPr>
+                        <a:t>TOTAL</a:t>
+                      </a:r>
+                      <a:endParaRPr lang="en-US" sz="3200" b="0" i="0" u="none" strike="noStrike" dirty="0">
+                        <a:solidFill>
+                          <a:schemeClr val="bg1"/>
+                        </a:solidFill>
+                        <a:effectLst/>
+                        <a:latin typeface="Calibri" panose="020F0502020204030204" pitchFamily="34" charset="0"/>
+                      </a:endParaRPr>
+                    </a:p>
+                  </a:txBody>
+                  <a:tcPr marL="26298" marR="26298" marT="26298" marB="0" anchor="b">
+                    <a:solidFill>
+                      <a:schemeClr val="accent1">
+                        <a:lumMod val="75000"/>
+                      </a:schemeClr>
+                    </a:solidFill>
+                  </a:tcPr>
+                </a:tc>
+                <a:extLst>
+                  <a:ext uri="{0D108BD9-81ED-4DB2-BD59-A6C34878D82A}">
+                    <a16:rowId xmlns:a16="http://schemas.microsoft.com/office/drawing/2014/main" val="4283396266"/>
+                  </a:ext>
+                </a:extLst>
+              </a:tr>
+              <a:tr h="595005">
+                <a:tc>
+                  <a:txBody>
+                    <a:bodyPr/>
+                    <a:lstStyle/>
+                    <a:p>
+                      <a:pPr algn="ctr"/>
+                      <a:r>
+                        <a:rPr lang="en-US" sz="3400" dirty="0"/>
+                        <a:t>w/o</a:t>
+                      </a:r>
+                      <a:r>
+                        <a:rPr lang="en-US" sz="3400" baseline="0" dirty="0"/>
+                        <a:t> Scaling</a:t>
+                      </a:r>
+                      <a:endParaRPr lang="en-US" sz="3400" dirty="0"/>
+                    </a:p>
+                  </a:txBody>
+                  <a:tcPr marL="74234" marR="74234" marT="37117" marB="37117"/>
+                </a:tc>
+                <a:tc>
+                  <a:txBody>
+                    <a:bodyPr/>
+                    <a:lstStyle/>
+                    <a:p>
+                      <a:pPr algn="r" fontAlgn="b"/>
+                      <a:r>
+                        <a:rPr lang="en-US" sz="3100" u="none" strike="noStrike" dirty="0">
+                          <a:effectLst/>
+                        </a:rPr>
+                        <a:t>7.99s</a:t>
+                      </a:r>
+                      <a:endParaRPr lang="en-US" sz="3100" b="0" i="0" u="none" strike="noStrike" dirty="0">
+                        <a:solidFill>
+                          <a:srgbClr val="000000"/>
+                        </a:solidFill>
+                        <a:effectLst/>
+                        <a:latin typeface="Calibri" panose="020F0502020204030204" pitchFamily="34" charset="0"/>
+                      </a:endParaRPr>
+                    </a:p>
+                  </a:txBody>
+                  <a:tcPr marL="26298" marR="26298" marT="26298" marB="0" anchor="b"/>
+                </a:tc>
+                <a:tc>
+                  <a:txBody>
+                    <a:bodyPr/>
+                    <a:lstStyle/>
+                    <a:p>
+                      <a:pPr algn="r" fontAlgn="b"/>
+                      <a:r>
+                        <a:rPr lang="en-US" sz="3100" u="none" strike="noStrike" dirty="0">
+                          <a:effectLst/>
+                        </a:rPr>
+                        <a:t>0.96s</a:t>
+                      </a:r>
+                      <a:endParaRPr lang="en-US" sz="3100" b="0" i="0" u="none" strike="noStrike" dirty="0">
+                        <a:solidFill>
+                          <a:srgbClr val="000000"/>
+                        </a:solidFill>
+                        <a:effectLst/>
+                        <a:latin typeface="Calibri" panose="020F0502020204030204" pitchFamily="34" charset="0"/>
+                      </a:endParaRPr>
+                    </a:p>
+                  </a:txBody>
+                  <a:tcPr marL="26298" marR="26298" marT="26298" marB="0" anchor="b"/>
+                </a:tc>
+                <a:tc>
+                  <a:txBody>
+                    <a:bodyPr/>
+                    <a:lstStyle/>
+                    <a:p>
+                      <a:pPr algn="r" fontAlgn="b"/>
+                      <a:r>
+                        <a:rPr lang="en-US" sz="3100" u="none" strike="noStrike" dirty="0">
+                          <a:effectLst/>
+                        </a:rPr>
+                        <a:t>4.02s</a:t>
+                      </a:r>
+                      <a:endParaRPr lang="en-US" sz="3100" b="0" i="0" u="none" strike="noStrike" dirty="0">
+                        <a:solidFill>
+                          <a:srgbClr val="000000"/>
+                        </a:solidFill>
+                        <a:effectLst/>
+                        <a:latin typeface="Calibri" panose="020F0502020204030204" pitchFamily="34" charset="0"/>
+                      </a:endParaRPr>
+                    </a:p>
+                  </a:txBody>
+                  <a:tcPr marL="26298" marR="26298" marT="26298" marB="0" anchor="b"/>
+                </a:tc>
+                <a:tc>
+                  <a:txBody>
+                    <a:bodyPr/>
+                    <a:lstStyle/>
+                    <a:p>
+                      <a:pPr algn="r" fontAlgn="b"/>
+                      <a:r>
+                        <a:rPr lang="en-US" sz="3100" u="none" strike="noStrike" dirty="0">
+                          <a:effectLst/>
+                        </a:rPr>
+                        <a:t>5.62s</a:t>
+                      </a:r>
+                      <a:endParaRPr lang="en-US" sz="3100" b="0" i="0" u="none" strike="noStrike" dirty="0">
+                        <a:solidFill>
+                          <a:srgbClr val="000000"/>
+                        </a:solidFill>
+                        <a:effectLst/>
+                        <a:latin typeface="Calibri" panose="020F0502020204030204" pitchFamily="34" charset="0"/>
+                      </a:endParaRPr>
+                    </a:p>
+                  </a:txBody>
+                  <a:tcPr marL="26298" marR="26298" marT="26298" marB="0" anchor="b"/>
+                </a:tc>
+                <a:tc>
+                  <a:txBody>
+                    <a:bodyPr/>
+                    <a:lstStyle/>
+                    <a:p>
+                      <a:pPr algn="r" fontAlgn="b"/>
+                      <a:r>
+                        <a:rPr lang="en-US" sz="3100" u="none" strike="noStrike" dirty="0">
+                          <a:effectLst/>
+                        </a:rPr>
+                        <a:t>25.26s</a:t>
+                      </a:r>
+                      <a:endParaRPr lang="en-US" sz="3100" b="0" i="0" u="none" strike="noStrike" dirty="0">
+                        <a:solidFill>
+                          <a:srgbClr val="000000"/>
+                        </a:solidFill>
+                        <a:effectLst/>
+                        <a:latin typeface="Calibri" panose="020F0502020204030204" pitchFamily="34" charset="0"/>
+                      </a:endParaRPr>
+                    </a:p>
+                  </a:txBody>
+                  <a:tcPr marL="26298" marR="26298" marT="26298" marB="0" anchor="b"/>
+                </a:tc>
+                <a:extLst>
+                  <a:ext uri="{0D108BD9-81ED-4DB2-BD59-A6C34878D82A}">
+                    <a16:rowId xmlns:a16="http://schemas.microsoft.com/office/drawing/2014/main" val="3363849002"/>
+                  </a:ext>
+                </a:extLst>
+              </a:tr>
+              <a:tr h="595005">
+                <a:tc>
+                  <a:txBody>
+                    <a:bodyPr/>
+                    <a:lstStyle/>
+                    <a:p>
+                      <a:pPr algn="ctr"/>
+                      <a:r>
+                        <a:rPr lang="en-US" sz="3400" dirty="0"/>
+                        <a:t>Scaled  to 30%</a:t>
+                      </a:r>
+                    </a:p>
+                  </a:txBody>
+                  <a:tcPr marL="74234" marR="74234" marT="37117" marB="37117"/>
+                </a:tc>
+                <a:tc>
+                  <a:txBody>
+                    <a:bodyPr/>
+                    <a:lstStyle/>
+                    <a:p>
+                      <a:pPr algn="r" fontAlgn="b"/>
+                      <a:r>
+                        <a:rPr lang="en-US" sz="3100" u="none" strike="noStrike" kern="1200" dirty="0">
+                          <a:solidFill>
+                            <a:schemeClr val="dk1"/>
+                          </a:solidFill>
+                          <a:effectLst/>
+                          <a:latin typeface="+mn-lt"/>
+                          <a:ea typeface="+mn-ea"/>
+                          <a:cs typeface="+mn-cs"/>
+                        </a:rPr>
+                        <a:t>1.09s</a:t>
+                      </a:r>
+                    </a:p>
+                  </a:txBody>
+                  <a:tcPr marL="7732" marR="7732" marT="7732" marB="0" anchor="b"/>
+                </a:tc>
+                <a:tc>
+                  <a:txBody>
+                    <a:bodyPr/>
+                    <a:lstStyle/>
+                    <a:p>
+                      <a:pPr algn="r" fontAlgn="b"/>
+                      <a:r>
+                        <a:rPr lang="en-US" sz="3100" u="none" strike="noStrike" kern="1200" dirty="0">
+                          <a:solidFill>
+                            <a:schemeClr val="dk1"/>
+                          </a:solidFill>
+                          <a:effectLst/>
+                          <a:latin typeface="+mn-lt"/>
+                          <a:ea typeface="+mn-ea"/>
+                          <a:cs typeface="+mn-cs"/>
+                        </a:rPr>
+                        <a:t>0.47s</a:t>
+                      </a:r>
+                    </a:p>
+                  </a:txBody>
+                  <a:tcPr marL="7732" marR="7732" marT="7732" marB="0" anchor="b"/>
+                </a:tc>
+                <a:tc>
+                  <a:txBody>
+                    <a:bodyPr/>
+                    <a:lstStyle/>
+                    <a:p>
+                      <a:pPr algn="r" fontAlgn="b"/>
+                      <a:r>
+                        <a:rPr lang="en-US" sz="3100" u="none" strike="noStrike" kern="1200" dirty="0">
+                          <a:solidFill>
+                            <a:schemeClr val="dk1"/>
+                          </a:solidFill>
+                          <a:effectLst/>
+                          <a:latin typeface="+mn-lt"/>
+                          <a:ea typeface="+mn-ea"/>
+                          <a:cs typeface="+mn-cs"/>
+                        </a:rPr>
+                        <a:t>2.01s</a:t>
+                      </a:r>
+                    </a:p>
+                  </a:txBody>
+                  <a:tcPr marL="7732" marR="7732" marT="7732" marB="0" anchor="b"/>
+                </a:tc>
+                <a:tc>
+                  <a:txBody>
+                    <a:bodyPr/>
+                    <a:lstStyle/>
+                    <a:p>
+                      <a:pPr algn="r" fontAlgn="b"/>
+                      <a:r>
+                        <a:rPr lang="en-US" sz="3100" u="none" strike="noStrike" kern="1200" dirty="0">
+                          <a:solidFill>
+                            <a:schemeClr val="dk1"/>
+                          </a:solidFill>
+                          <a:effectLst/>
+                          <a:latin typeface="+mn-lt"/>
+                          <a:ea typeface="+mn-ea"/>
+                          <a:cs typeface="+mn-cs"/>
+                        </a:rPr>
+                        <a:t>5.08s</a:t>
+                      </a:r>
+                    </a:p>
+                  </a:txBody>
+                  <a:tcPr marL="7732" marR="7732" marT="7732" marB="0" anchor="b"/>
+                </a:tc>
+                <a:tc>
+                  <a:txBody>
+                    <a:bodyPr/>
+                    <a:lstStyle/>
+                    <a:p>
+                      <a:pPr algn="r" fontAlgn="b"/>
+                      <a:r>
+                        <a:rPr lang="en-US" sz="3100" u="none" strike="noStrike" kern="1200" dirty="0">
+                          <a:solidFill>
+                            <a:schemeClr val="dk1"/>
+                          </a:solidFill>
+                          <a:effectLst/>
+                          <a:latin typeface="+mn-lt"/>
+                          <a:ea typeface="+mn-ea"/>
+                          <a:cs typeface="+mn-cs"/>
+                        </a:rPr>
+                        <a:t>10.47s</a:t>
+                      </a:r>
+                    </a:p>
+                  </a:txBody>
+                  <a:tcPr marL="7732" marR="7732" marT="7732" marB="0" anchor="b"/>
+                </a:tc>
+                <a:extLst>
+                  <a:ext uri="{0D108BD9-81ED-4DB2-BD59-A6C34878D82A}">
+                    <a16:rowId xmlns:a16="http://schemas.microsoft.com/office/drawing/2014/main" val="3172649307"/>
+                  </a:ext>
+                </a:extLst>
+              </a:tr>
+            </a:tbl>
+          </a:graphicData>
+        </a:graphic>
+      </p:graphicFrame>
+      <p:grpSp>
+        <p:nvGrpSpPr>
+          <p:cNvPr id="18" name="Group 17"/>
+          <p:cNvGrpSpPr/>
+          <p:nvPr/>
+        </p:nvGrpSpPr>
+        <p:grpSpPr>
+          <a:xfrm>
+            <a:off x="1584497" y="7972154"/>
+            <a:ext cx="18487442" cy="5938421"/>
+            <a:chOff x="1589616" y="8673284"/>
+            <a:chExt cx="18487442" cy="5938421"/>
+          </a:xfrm>
+        </p:grpSpPr>
+        <p:grpSp>
+          <p:nvGrpSpPr>
+            <p:cNvPr id="11" name="Group 10"/>
+            <p:cNvGrpSpPr/>
+            <p:nvPr/>
+          </p:nvGrpSpPr>
+          <p:grpSpPr>
+            <a:xfrm>
+              <a:off x="1589616" y="8673284"/>
+              <a:ext cx="9163672" cy="2602910"/>
+              <a:chOff x="3506200" y="9981895"/>
+              <a:chExt cx="13850536" cy="3934198"/>
+            </a:xfrm>
+          </p:grpSpPr>
+          <p:sp>
+            <p:nvSpPr>
+              <p:cNvPr id="3" name="TextBox 2"/>
+              <p:cNvSpPr txBox="1"/>
+              <p:nvPr/>
+            </p:nvSpPr>
+            <p:spPr>
+              <a:xfrm flipH="1">
+                <a:off x="3506200" y="13032228"/>
+                <a:ext cx="13738680" cy="883865"/>
+              </a:xfrm>
+              <a:prstGeom prst="rect">
+                <a:avLst/>
+              </a:prstGeom>
+              <a:noFill/>
+            </p:spPr>
+            <p:txBody>
+              <a:bodyPr wrap="square" rtlCol="0">
+                <a:spAutoFit/>
+              </a:bodyPr>
+              <a:lstStyle/>
+              <a:p>
+                <a:pPr algn="ctr"/>
+                <a:r>
+                  <a:rPr lang="en-US" sz="3200" dirty="0"/>
+                  <a:t>Pixel Difference only</a:t>
+                </a:r>
+                <a:endParaRPr lang="en-US" sz="4400" dirty="0"/>
+              </a:p>
+            </p:txBody>
+          </p:sp>
+          <p:pic>
+            <p:nvPicPr>
+              <p:cNvPr id="8" name="Picture 7"/>
+              <p:cNvPicPr>
+                <a:picLocks noChangeAspect="1"/>
+              </p:cNvPicPr>
+              <p:nvPr/>
+            </p:nvPicPr>
+            <p:blipFill>
+              <a:blip r:embed="rId2"/>
+              <a:stretch>
+                <a:fillRect/>
+              </a:stretch>
+            </p:blipFill>
+            <p:spPr>
+              <a:xfrm>
+                <a:off x="3506200" y="9981895"/>
+                <a:ext cx="13850536" cy="2993466"/>
+              </a:xfrm>
+              <a:prstGeom prst="rect">
+                <a:avLst/>
+              </a:prstGeom>
+            </p:spPr>
+          </p:pic>
+        </p:grpSp>
+        <p:grpSp>
+          <p:nvGrpSpPr>
+            <p:cNvPr id="13" name="Group 12"/>
+            <p:cNvGrpSpPr/>
+            <p:nvPr/>
+          </p:nvGrpSpPr>
+          <p:grpSpPr>
+            <a:xfrm>
+              <a:off x="11136797" y="8673284"/>
+              <a:ext cx="8940261" cy="2620760"/>
+              <a:chOff x="3506199" y="13923521"/>
+              <a:chExt cx="13870876" cy="4066127"/>
+            </a:xfrm>
+          </p:grpSpPr>
+          <p:pic>
+            <p:nvPicPr>
+              <p:cNvPr id="12" name="Picture 11"/>
+              <p:cNvPicPr>
+                <a:picLocks noChangeAspect="1"/>
+              </p:cNvPicPr>
+              <p:nvPr/>
+            </p:nvPicPr>
+            <p:blipFill>
+              <a:blip r:embed="rId3"/>
+              <a:stretch>
+                <a:fillRect/>
+              </a:stretch>
+            </p:blipFill>
+            <p:spPr>
+              <a:xfrm>
+                <a:off x="3506200" y="13923521"/>
+                <a:ext cx="13870875" cy="3164329"/>
+              </a:xfrm>
+              <a:prstGeom prst="rect">
+                <a:avLst/>
+              </a:prstGeom>
+            </p:spPr>
+          </p:pic>
+          <p:sp>
+            <p:nvSpPr>
+              <p:cNvPr id="14" name="TextBox 13"/>
+              <p:cNvSpPr txBox="1"/>
+              <p:nvPr/>
+            </p:nvSpPr>
+            <p:spPr>
+              <a:xfrm flipH="1">
+                <a:off x="3506199" y="17082366"/>
+                <a:ext cx="13870874" cy="907282"/>
+              </a:xfrm>
+              <a:prstGeom prst="rect">
+                <a:avLst/>
+              </a:prstGeom>
+              <a:noFill/>
+            </p:spPr>
+            <p:txBody>
+              <a:bodyPr wrap="square" rtlCol="0">
+                <a:spAutoFit/>
+              </a:bodyPr>
+              <a:lstStyle/>
+              <a:p>
+                <a:pPr algn="ctr"/>
+                <a:r>
+                  <a:rPr lang="en-US" sz="3200" dirty="0"/>
+                  <a:t>Pixel Difference : Gradient</a:t>
+                </a:r>
+                <a:r>
+                  <a:rPr lang="zh-TW" altLang="en-US" sz="3200" dirty="0"/>
+                  <a:t> </a:t>
+                </a:r>
+                <a:r>
+                  <a:rPr lang="en-US" altLang="zh-TW" sz="3200" dirty="0"/>
+                  <a:t>=</a:t>
+                </a:r>
+                <a:r>
+                  <a:rPr lang="zh-TW" altLang="en-US" sz="3200" dirty="0"/>
+                  <a:t> </a:t>
+                </a:r>
+                <a:r>
+                  <a:rPr lang="en-US" altLang="zh-TW" sz="3200" dirty="0"/>
+                  <a:t>1 : 1</a:t>
+                </a:r>
+                <a:endParaRPr lang="en-US" sz="3200" dirty="0"/>
+              </a:p>
+            </p:txBody>
+          </p:sp>
+        </p:grpSp>
+        <p:grpSp>
+          <p:nvGrpSpPr>
+            <p:cNvPr id="16" name="Group 15"/>
+            <p:cNvGrpSpPr/>
+            <p:nvPr/>
+          </p:nvGrpSpPr>
+          <p:grpSpPr>
+            <a:xfrm>
+              <a:off x="5761566" y="11714783"/>
+              <a:ext cx="8836727" cy="2896922"/>
+              <a:chOff x="4663535" y="13100080"/>
+              <a:chExt cx="11419048" cy="3743477"/>
+            </a:xfrm>
+          </p:grpSpPr>
+          <p:pic>
+            <p:nvPicPr>
+              <p:cNvPr id="15" name="Picture 14"/>
+              <p:cNvPicPr>
+                <a:picLocks noChangeAspect="1"/>
+              </p:cNvPicPr>
+              <p:nvPr/>
+            </p:nvPicPr>
+            <p:blipFill>
+              <a:blip r:embed="rId4"/>
+              <a:stretch>
+                <a:fillRect/>
+              </a:stretch>
+            </p:blipFill>
+            <p:spPr>
+              <a:xfrm>
+                <a:off x="4663536" y="13100080"/>
+                <a:ext cx="11419047" cy="2961905"/>
+              </a:xfrm>
+              <a:prstGeom prst="rect">
+                <a:avLst/>
+              </a:prstGeom>
+            </p:spPr>
+          </p:pic>
+          <p:sp>
+            <p:nvSpPr>
+              <p:cNvPr id="17" name="TextBox 16"/>
+              <p:cNvSpPr txBox="1"/>
+              <p:nvPr/>
+            </p:nvSpPr>
+            <p:spPr>
+              <a:xfrm flipH="1">
+                <a:off x="4663535" y="16087896"/>
+                <a:ext cx="11419047" cy="755661"/>
+              </a:xfrm>
+              <a:prstGeom prst="rect">
+                <a:avLst/>
+              </a:prstGeom>
+              <a:noFill/>
+            </p:spPr>
+            <p:txBody>
+              <a:bodyPr wrap="square" rtlCol="0">
+                <a:spAutoFit/>
+              </a:bodyPr>
+              <a:lstStyle/>
+              <a:p>
+                <a:pPr algn="ctr"/>
+                <a:r>
+                  <a:rPr lang="en-US" sz="3200" dirty="0"/>
+                  <a:t>Pixel Difference : Gradient</a:t>
+                </a:r>
+                <a:r>
+                  <a:rPr lang="zh-TW" altLang="en-US" sz="3200" dirty="0"/>
+                  <a:t> </a:t>
+                </a:r>
+                <a:r>
+                  <a:rPr lang="en-US" altLang="zh-TW" sz="3200" dirty="0"/>
+                  <a:t>=</a:t>
+                </a:r>
+                <a:r>
+                  <a:rPr lang="zh-TW" altLang="en-US" sz="3200" dirty="0"/>
+                  <a:t> </a:t>
+                </a:r>
+                <a:r>
+                  <a:rPr lang="en-US" altLang="zh-TW" sz="3200" dirty="0"/>
+                  <a:t>1 : 3</a:t>
+                </a:r>
+                <a:endParaRPr lang="en-US" sz="3200" dirty="0"/>
+              </a:p>
+            </p:txBody>
+          </p:sp>
+        </p:grpSp>
+      </p:grpSp>
+      <p:sp>
+        <p:nvSpPr>
+          <p:cNvPr id="19" name="TextBox 18"/>
+          <p:cNvSpPr txBox="1"/>
+          <p:nvPr/>
+        </p:nvSpPr>
+        <p:spPr>
+          <a:xfrm>
+            <a:off x="790151" y="13964080"/>
+            <a:ext cx="20001204" cy="2616101"/>
+          </a:xfrm>
+          <a:prstGeom prst="rect">
+            <a:avLst/>
+          </a:prstGeom>
+          <a:noFill/>
+        </p:spPr>
+        <p:txBody>
+          <a:bodyPr wrap="square" rtlCol="0">
+            <a:spAutoFit/>
+          </a:bodyPr>
+          <a:lstStyle/>
           <a:p>
             <a:pPr>
               <a:spcBef>
@@ -3376,42 +4390,63 @@
               </a:spcAft>
             </a:pPr>
             <a:r>
-              <a:rPr lang="en-US" altLang="zh-TW" sz="4400" dirty="0">
+              <a:rPr lang="zh-TW" altLang="en-US" sz="4000" b="1" dirty="0">
                 <a:latin typeface="微軟正黑體" panose="020B0604030504040204" pitchFamily="34" charset="-120"/>
                 <a:ea typeface="微軟正黑體" panose="020B0604030504040204" pitchFamily="34" charset="-120"/>
               </a:rPr>
-              <a:t>		</a:t>
-            </a:r>
-            <a:r>
-              <a:rPr lang="zh-TW" altLang="en-US" sz="4400" dirty="0">
+              <a:t>特徵與最佳縫線搜尋加速</a:t>
+            </a:r>
+            <a:endParaRPr lang="en-US" altLang="zh-TW" sz="4000" b="1" dirty="0">
+              <a:latin typeface="微軟正黑體" panose="020B0604030504040204" pitchFamily="34" charset="-120"/>
+              <a:ea typeface="微軟正黑體" panose="020B0604030504040204" pitchFamily="34" charset="-120"/>
+            </a:endParaRPr>
+          </a:p>
+          <a:p>
+            <a:pPr>
+              <a:spcBef>
+                <a:spcPts val="1200"/>
+              </a:spcBef>
+              <a:spcAft>
+                <a:spcPts val="1200"/>
+              </a:spcAft>
+            </a:pPr>
+            <a:r>
+              <a:rPr lang="en-US" altLang="zh-TW" sz="2800" b="1" dirty="0">
                 <a:latin typeface="微軟正黑體" panose="020B0604030504040204" pitchFamily="34" charset="-120"/>
                 <a:ea typeface="微軟正黑體" panose="020B0604030504040204" pitchFamily="34" charset="-120"/>
               </a:rPr>
-              <a:t>在處理高解析度</a:t>
-            </a:r>
-            <a:r>
-              <a:rPr lang="en-US" altLang="zh-TW" sz="4400" dirty="0">
+              <a:t>	</a:t>
+            </a:r>
+            <a:r>
+              <a:rPr lang="zh-TW" altLang="en-US" sz="2800" dirty="0">
                 <a:latin typeface="微軟正黑體" panose="020B0604030504040204" pitchFamily="34" charset="-120"/>
                 <a:ea typeface="微軟正黑體" panose="020B0604030504040204" pitchFamily="34" charset="-120"/>
               </a:rPr>
-              <a:t>(~800</a:t>
-            </a:r>
-            <a:r>
-              <a:rPr lang="zh-TW" altLang="en-US" sz="4400" dirty="0">
+              <a:t>在處理高解析度</a:t>
+            </a:r>
+            <a:r>
+              <a:rPr lang="en-US" altLang="zh-TW" sz="2800" dirty="0">
                 <a:latin typeface="微軟正黑體" panose="020B0604030504040204" pitchFamily="34" charset="-120"/>
                 <a:ea typeface="微軟正黑體" panose="020B0604030504040204" pitchFamily="34" charset="-120"/>
               </a:rPr>
-              <a:t>萬畫素</a:t>
-            </a:r>
-            <a:r>
-              <a:rPr lang="en-US" altLang="zh-TW" sz="4400" dirty="0">
+              <a:t>(~800</a:t>
+            </a:r>
+            <a:r>
+              <a:rPr lang="zh-TW" altLang="en-US" sz="2800" dirty="0">
                 <a:latin typeface="微軟正黑體" panose="020B0604030504040204" pitchFamily="34" charset="-120"/>
                 <a:ea typeface="微軟正黑體" panose="020B0604030504040204" pitchFamily="34" charset="-120"/>
               </a:rPr>
+              <a:t>萬畫素</a:t>
+            </a:r>
+            <a:r>
+              <a:rPr lang="en-US" altLang="zh-TW" sz="2800" dirty="0">
+                <a:latin typeface="微軟正黑體" panose="020B0604030504040204" pitchFamily="34" charset="-120"/>
+                <a:ea typeface="微軟正黑體" panose="020B0604030504040204" pitchFamily="34" charset="-120"/>
+              </a:rPr>
               <a:t>)</a:t>
             </a:r>
             <a:r>
-              <a:rPr lang="zh-TW" altLang="en-US" sz="4400" dirty="0">
+              <a:rPr lang="zh-TW" altLang="en-US" sz="2800" dirty="0">
                 <a:latin typeface="微軟正黑體" panose="020B0604030504040204" pitchFamily="34" charset="-120"/>
                 <a:ea typeface="微軟正黑體" panose="020B0604030504040204" pitchFamily="34" charset="-120"/>
               </a:rPr>
@@ -3440,21 +4475,21 @@
       </p:sp>
       <p:graphicFrame>
         <p:nvGraphicFramePr>
-          <p:cNvPr id="9" name="Table 8"/>
+          <p:cNvPr id="20" name="Table 19"/>
           <p:cNvGraphicFramePr>
             <a:graphicFrameLocks noGrp="1"/>
           </p:cNvGraphicFramePr>
           <p:nvPr>
             <p:extLst>
               <p:ext uri="{D42A27DB-BD31-4B8C-83A1-F6EECF244321}">
-                <p14:modId xmlns:p14="http://schemas.microsoft.com/office/powerpoint/2010/main" val="202747965"/>
+                <p14:modId xmlns:p14="http://schemas.microsoft.com/office/powerpoint/2010/main" val="2256206188"/>
               </p:ext>
             </p:extLst>
           </p:nvPr>
         </p:nvGraphicFramePr>
         <p:xfrm>
-          <a:off x="827616" y="13741119"/>
-          <a:ext cx="20001204" cy="2931668"/>
+          <a:off x="4209989" y="18863624"/>
+          <a:ext cx="11929639" cy="2810650"/>
         </p:xfrm>
         <a:graphic>
           <a:graphicData uri="http://schemas.openxmlformats.org/drawingml/2006/table">
@@ -3463,84 +4498,62 @@
                 <a:tableStyleId>{7DF18680-E054-41AD-8BC1-D1AEF772440D}</a:tableStyleId>
               </a:tblPr>
               <a:tblGrid>
-                <a:gridCol w="3471746">
+                <a:gridCol w="3106063">
                   <a:extLst>
                     <a:ext uri="{9D8B030D-6E8A-4147-A177-3AD203B41FA5}">
                       <a16:colId xmlns:a16="http://schemas.microsoft.com/office/drawing/2014/main" val="4081085336"/>
                     </a:ext>
                   </a:extLst>
                 </a:gridCol>
-                <a:gridCol w="3195322">
+                <a:gridCol w="2858756">
                   <a:extLst>
                     <a:ext uri="{9D8B030D-6E8A-4147-A177-3AD203B41FA5}">
                       <a16:colId xmlns:a16="http://schemas.microsoft.com/office/drawing/2014/main" val="2774472591"/>
                     </a:ext>
                   </a:extLst>
                 </a:gridCol>
-                <a:gridCol w="3333534">
+                <a:gridCol w="2982410">
                   <a:extLst>
                     <a:ext uri="{9D8B030D-6E8A-4147-A177-3AD203B41FA5}">
                       <a16:colId xmlns:a16="http://schemas.microsoft.com/office/drawing/2014/main" val="3583958869"/>
                     </a:ext>
                   </a:extLst>
                 </a:gridCol>
-                <a:gridCol w="3333534">
+                <a:gridCol w="2982410">
                   <a:extLst>
                     <a:ext uri="{9D8B030D-6E8A-4147-A177-3AD203B41FA5}">
-                      <a16:colId xmlns:a16="http://schemas.microsoft.com/office/drawing/2014/main" val="859445991"/>
-                    </a:ext>
-                  </a:extLst>
-                </a:gridCol>
-                <a:gridCol w="3333534">
-                  <a:extLst>
-                    <a:ext uri="{9D8B030D-6E8A-4147-A177-3AD203B41FA5}">
-                      <a16:colId xmlns:a16="http://schemas.microsoft.com/office/drawing/2014/main" val="500072462"/>
-                    </a:ext>
-                  </a:extLst>
-                </a:gridCol>
-                <a:gridCol w="3333534">
-                  <a:extLst>
-                    <a:ext uri="{9D8B030D-6E8A-4147-A177-3AD203B41FA5}">
-                      <a16:colId xmlns:a16="http://schemas.microsoft.com/office/drawing/2014/main" val="2157207200"/>
+                      <a16:colId xmlns:a16="http://schemas.microsoft.com/office/drawing/2014/main" val="3709093603"/>
                     </a:ext>
                   </a:extLst>
                 </a:gridCol>
               </a:tblGrid>
-              <a:tr h="627786">
-                <a:tc gridSpan="6">
+              <a:tr h="562130">
+                <a:tc gridSpan="4">
                   <a:txBody>
                     <a:bodyPr/>
                     <a:lstStyle/>
                     <a:p>
                       <a:pPr algn="ctr"/>
                       <a:r>
-                        <a:rPr lang="en-US" dirty="0"/>
-                        <a:t>Image size</a:t>
-                      </a:r>
-                      <a:r>
-                        <a:rPr lang="en-US" baseline="0" dirty="0"/>
-                        <a:t> -</a:t>
-                      </a:r>
-                      <a:r>
-                        <a:rPr lang="en-US" dirty="0"/>
-                        <a:t> 2448*3264px</a:t>
-                      </a:r>
-                      <a:r>
-                        <a:rPr lang="en-US"/>
-                        <a:t>, Average</a:t>
-                      </a:r>
-                      <a:r>
-                        <a:rPr lang="en-US" baseline="0"/>
-                        <a:t> </a:t>
-                      </a:r>
-                      <a:r>
-                        <a:rPr lang="en-US" baseline="0" dirty="0"/>
-                        <a:t>of five tests</a:t>
-                      </a:r>
-                      <a:endParaRPr lang="en-US" dirty="0"/>
-                    </a:p>
-                  </a:txBody>
-                  <a:tcPr>
+                        <a:rPr lang="en-US" sz="3200" dirty="0"/>
+                        <a:t>Effect</a:t>
+                      </a:r>
+                      <a:r>
+                        <a:rPr lang="en-US" sz="3200" baseline="0" dirty="0"/>
+                        <a:t> of scaling on Inlier/Feature-point -</a:t>
+                      </a:r>
+                      <a:r>
+                        <a:rPr lang="en-US" sz="3200" dirty="0"/>
+                        <a:t> Average</a:t>
+                      </a:r>
+                      <a:r>
+                        <a:rPr lang="en-US" sz="3200" baseline="0" dirty="0"/>
+                        <a:t> of five tests</a:t>
+                      </a:r>
+                      <a:endParaRPr lang="en-US" sz="3200" dirty="0"/>
+                    </a:p>
+                  </a:txBody>
+                  <a:tcPr marL="70132" marR="70132" marT="35066" marB="35066">
                     <a:solidFill>
                       <a:schemeClr val="accent1">
                         <a:lumMod val="75000"/>
@@ -3587,64 +4600,7 @@
                     <a:bodyPr/>
                     <a:lstStyle/>
                     <a:p>
-                      <a:pPr algn="ctr" fontAlgn="b"/>
-                      <a:endParaRPr lang="en-US" sz="3800" b="0" i="0" u="none" strike="noStrike" dirty="0">
-                        <a:solidFill>
-                          <a:srgbClr val="000000"/>
-                        </a:solidFill>
-                        <a:effectLst/>
-                        <a:latin typeface="Calibri" panose="020F0502020204030204" pitchFamily="34" charset="0"/>
-                      </a:endParaRPr>
-                    </a:p>
-                  </a:txBody>
-                  <a:tcPr marL="32393" marR="32393" marT="32393" marB="0" anchor="b"/>
-                </a:tc>
-                <a:tc hMerge="1">
-                  <a:txBody>
-                    <a:bodyPr/>
-                    <a:lstStyle/>
-                    <a:p>
-                      <a:pPr algn="ctr" fontAlgn="b"/>
-                      <a:endParaRPr lang="en-US" sz="3800" b="0" i="0" u="none" strike="noStrike" dirty="0">
-                        <a:solidFill>
-                          <a:srgbClr val="000000"/>
-                        </a:solidFill>
-                        <a:effectLst/>
-                        <a:latin typeface="Calibri" panose="020F0502020204030204" pitchFamily="34" charset="0"/>
-                      </a:endParaRPr>
-                    </a:p>
-                  </a:txBody>
-                  <a:tcPr marL="32393" marR="32393" marT="32393" marB="0" anchor="b"/>
-                </a:tc>
-                <a:tc hMerge="1">
-                  <a:txBody>
-                    <a:bodyPr/>
-                    <a:lstStyle/>
-                    <a:p>
-                      <a:pPr algn="ctr" fontAlgn="b"/>
-                      <a:endParaRPr lang="en-US" sz="3800" b="0" i="0" u="none" strike="noStrike" dirty="0">
-                        <a:solidFill>
-                          <a:srgbClr val="000000"/>
-                        </a:solidFill>
-                        <a:effectLst/>
-                        <a:latin typeface="Calibri" panose="020F0502020204030204" pitchFamily="34" charset="0"/>
-                      </a:endParaRPr>
-                    </a:p>
-                  </a:txBody>
-                  <a:tcPr marL="32393" marR="32393" marT="32393" marB="0" anchor="b"/>
-                </a:tc>
-                <a:extLst>
-                  <a:ext uri="{0D108BD9-81ED-4DB2-BD59-A6C34878D82A}">
-                    <a16:rowId xmlns:a16="http://schemas.microsoft.com/office/drawing/2014/main" val="2001312851"/>
-                  </a:ext>
-                </a:extLst>
-              </a:tr>
-              <a:tr h="370840">
-                <a:tc>
-                  <a:txBody>
-                    <a:bodyPr/>
-                    <a:lstStyle/>
-                    <a:p>
+                      <a:pPr algn="ctr"/>
                       <a:endParaRPr lang="en-US" dirty="0"/>
                     </a:p>
                   </a:txBody>
@@ -3656,22 +4612,45 @@
                     </a:solidFill>
                   </a:tcPr>
                 </a:tc>
+                <a:extLst>
+                  <a:ext uri="{0D108BD9-81ED-4DB2-BD59-A6C34878D82A}">
+                    <a16:rowId xmlns:a16="http://schemas.microsoft.com/office/drawing/2014/main" val="2001312851"/>
+                  </a:ext>
+                </a:extLst>
+              </a:tr>
+              <a:tr h="562130">
                 <a:tc>
                   <a:txBody>
                     <a:bodyPr/>
                     <a:lstStyle/>
                     <a:p>
+                      <a:endParaRPr lang="en-US" sz="3200" dirty="0"/>
+                    </a:p>
+                  </a:txBody>
+                  <a:tcPr marL="70132" marR="70132" marT="35066" marB="35066">
+                    <a:solidFill>
+                      <a:schemeClr val="accent1">
+                        <a:lumMod val="75000"/>
+                      </a:schemeClr>
+                    </a:solidFill>
+                  </a:tcPr>
+                </a:tc>
+                <a:tc>
+                  <a:txBody>
+                    <a:bodyPr/>
+                    <a:lstStyle/>
+                    <a:p>
                       <a:pPr algn="ctr" fontAlgn="b"/>
                       <a:r>
-                        <a:rPr lang="en-US" sz="4000" u="none" strike="noStrike" dirty="0">
+                        <a:rPr lang="en-US" sz="3100" u="none" strike="noStrike" dirty="0">
                           <a:solidFill>
                             <a:schemeClr val="bg1"/>
                           </a:solidFill>
                           <a:effectLst/>
                         </a:rPr>
-                        <a:t>SURF</a:t>
-                      </a:r>
-                      <a:endParaRPr lang="en-US" sz="4000" b="0" i="0" u="none" strike="noStrike" dirty="0">
+                        <a:t>Inlier</a:t>
+                      </a:r>
+                      <a:endParaRPr lang="en-US" sz="3100" b="0" i="0" u="none" strike="noStrike" dirty="0">
                         <a:solidFill>
                           <a:schemeClr val="bg1"/>
                         </a:solidFill>
@@ -3680,7 +4659,7 @@
                       </a:endParaRPr>
                     </a:p>
                   </a:txBody>
-                  <a:tcPr marL="32393" marR="32393" marT="32393" marB="0" anchor="b">
+                  <a:tcPr marL="24845" marR="24845" marT="24845" marB="0" anchor="b">
                     <a:solidFill>
                       <a:schemeClr val="accent1">
                         <a:lumMod val="75000"/>
@@ -3695,15 +4674,24 @@
                     <a:p>
                       <a:pPr algn="ctr" fontAlgn="b"/>
                       <a:r>
-                        <a:rPr lang="en-US" sz="4000" u="none" strike="noStrike" dirty="0">
+                        <a:rPr lang="en-US" sz="3100" u="none" strike="noStrike" dirty="0">
                           <a:solidFill>
                             <a:schemeClr val="bg1"/>
                           </a:solidFill>
                           <a:effectLst/>
                         </a:rPr>
-                        <a:t>Feature Match</a:t>
-                      </a:r>
-                      <a:endParaRPr lang="en-US" sz="4000" b="0" i="0" u="none" strike="noStrike" dirty="0">
+                        <a:t>Feature</a:t>
+                      </a:r>
+                      <a:r>
+                        <a:rPr lang="en-US" sz="3100" u="none" strike="noStrike" baseline="0" dirty="0">
+                          <a:solidFill>
+                            <a:schemeClr val="bg1"/>
+                          </a:solidFill>
+                          <a:effectLst/>
+                        </a:rPr>
+                        <a:t> point</a:t>
+                      </a:r>
+                      <a:endParaRPr lang="en-US" sz="3100" b="0" i="0" u="none" strike="noStrike" dirty="0">
                         <a:solidFill>
                           <a:schemeClr val="bg1"/>
                         </a:solidFill>
@@ -3712,7 +4700,7 @@
                       </a:endParaRPr>
                     </a:p>
                   </a:txBody>
-                  <a:tcPr marL="32393" marR="32393" marT="32393" marB="0" anchor="b">
+                  <a:tcPr marL="24845" marR="24845" marT="24845" marB="0" anchor="b">
                     <a:solidFill>
                       <a:schemeClr val="accent1">
                         <a:lumMod val="75000"/>
@@ -3727,33 +4715,18 @@
                     <a:p>
                       <a:pPr algn="ctr" fontAlgn="b"/>
                       <a:r>
-                        <a:rPr lang="en-US" sz="4000" u="none" strike="noStrike" dirty="0">
+                        <a:rPr lang="en-US" sz="3100" b="0" i="0" u="none" strike="noStrike" dirty="0">
                           <a:solidFill>
                             <a:schemeClr val="bg1"/>
                           </a:solidFill>
                           <a:effectLst/>
+                          <a:latin typeface="Calibri" panose="020F0502020204030204" pitchFamily="34" charset="0"/>
                         </a:rPr>
-                        <a:t>Stitching</a:t>
-                      </a:r>
-                      <a:r>
-                        <a:rPr lang="en-US" sz="4000" u="none" strike="noStrike" baseline="0" dirty="0">
-                          <a:solidFill>
-                            <a:schemeClr val="bg1"/>
-                          </a:solidFill>
-                          <a:effectLst/>
-                        </a:rPr>
-                        <a:t> Order</a:t>
-                      </a:r>
-                      <a:endParaRPr lang="en-US" sz="4000" b="0" i="0" u="none" strike="noStrike" dirty="0">
-                        <a:solidFill>
-                          <a:schemeClr val="bg1"/>
-                        </a:solidFill>
-                        <a:effectLst/>
-                        <a:latin typeface="Calibri" panose="020F0502020204030204" pitchFamily="34" charset="0"/>
-                      </a:endParaRPr>
-                    </a:p>
-                  </a:txBody>
-                  <a:tcPr marL="32393" marR="32393" marT="32393" marB="0" anchor="b">
+                        <a:t>Ratio</a:t>
+                      </a:r>
+                    </a:p>
+                  </a:txBody>
+                  <a:tcPr marL="24845" marR="24845" marT="24845" marB="0" anchor="b">
                     <a:solidFill>
                       <a:schemeClr val="accent1">
                         <a:lumMod val="75000"/>
@@ -3761,77 +4734,13 @@
                     </a:solidFill>
                   </a:tcPr>
                 </a:tc>
-                <a:tc>
-                  <a:txBody>
-                    <a:bodyPr/>
-                    <a:lstStyle/>
-                    <a:p>
-                      <a:pPr algn="ctr" fontAlgn="b"/>
-                      <a:r>
-                        <a:rPr lang="en-US" sz="4000" u="none" strike="noStrike" dirty="0">
-                          <a:solidFill>
-                            <a:schemeClr val="bg1"/>
-                          </a:solidFill>
-                          <a:effectLst/>
-                        </a:rPr>
-                        <a:t>Stitching</a:t>
-                      </a:r>
-                      <a:endParaRPr lang="en-US" sz="4000" b="0" i="0" u="none" strike="noStrike" dirty="0">
-                        <a:solidFill>
-                          <a:schemeClr val="bg1"/>
-                        </a:solidFill>
-                        <a:effectLst/>
-                        <a:latin typeface="Calibri" panose="020F0502020204030204" pitchFamily="34" charset="0"/>
-                      </a:endParaRPr>
-                    </a:p>
-                  </a:txBody>
-                  <a:tcPr marL="32393" marR="32393" marT="32393" marB="0" anchor="b">
-                    <a:solidFill>
-                      <a:schemeClr val="accent1">
-                        <a:lumMod val="75000"/>
-                      </a:schemeClr>
-                    </a:solidFill>
-                  </a:tcPr>
-                </a:tc>
-                <a:tc>
-                  <a:txBody>
-                    <a:bodyPr/>
-                    <a:lstStyle/>
-                    <a:p>
-                      <a:pPr algn="ctr" fontAlgn="b"/>
-                      <a:r>
-                        <a:rPr lang="en-US" sz="4000" u="none" strike="noStrike" dirty="0">
-                          <a:solidFill>
-                            <a:schemeClr val="bg1"/>
-                          </a:solidFill>
-                          <a:effectLst/>
-                        </a:rPr>
-                        <a:t>TOTAL</a:t>
-                      </a:r>
-                      <a:endParaRPr lang="en-US" sz="4000" b="0" i="0" u="none" strike="noStrike" dirty="0">
-                        <a:solidFill>
-                          <a:schemeClr val="bg1"/>
-                        </a:solidFill>
-                        <a:effectLst/>
-                        <a:latin typeface="Calibri" panose="020F0502020204030204" pitchFamily="34" charset="0"/>
-                      </a:endParaRPr>
-                    </a:p>
-                  </a:txBody>
-                  <a:tcPr marL="32393" marR="32393" marT="32393" marB="0" anchor="b">
-                    <a:solidFill>
-                      <a:schemeClr val="accent1">
-                        <a:lumMod val="75000"/>
-                      </a:schemeClr>
-                    </a:solidFill>
-                  </a:tcPr>
-                </a:tc>
                 <a:extLst>
                   <a:ext uri="{0D108BD9-81ED-4DB2-BD59-A6C34878D82A}">
                     <a16:rowId xmlns:a16="http://schemas.microsoft.com/office/drawing/2014/main" val="4283396266"/>
                   </a:ext>
                 </a:extLst>
               </a:tr>
-              <a:tr h="370840">
+              <a:tr h="562130">
                 <a:tc>
                   <a:txBody>
                     <a:bodyPr/>
@@ -3839,17 +4748,17 @@
                     <a:p>
                       <a:pPr algn="ctr"/>
                       <a:r>
-                        <a:rPr lang="en-US" dirty="0"/>
+                        <a:rPr lang="en-US" sz="3200" dirty="0"/>
                         <a:t>w/o</a:t>
                       </a:r>
                       <a:r>
-                        <a:rPr lang="en-US" baseline="0" dirty="0"/>
+                        <a:rPr lang="en-US" sz="3200" baseline="0" dirty="0"/>
                         <a:t> Scaling</a:t>
                       </a:r>
-                      <a:endParaRPr lang="en-US" dirty="0"/>
-                    </a:p>
-                  </a:txBody>
-                  <a:tcPr/>
+                      <a:endParaRPr lang="en-US" sz="3200" dirty="0"/>
+                    </a:p>
+                  </a:txBody>
+                  <a:tcPr marL="70132" marR="70132" marT="35066" marB="35066"/>
                 </a:tc>
                 <a:tc>
                   <a:txBody>
@@ -3858,113 +4767,61 @@
                     <a:p>
                       <a:pPr algn="r" fontAlgn="b"/>
                       <a:r>
-                        <a:rPr lang="en-US" sz="3800" u="none" strike="noStrike" dirty="0">
-                          <a:effectLst/>
+                        <a:rPr lang="en-US" sz="3200" kern="1200" baseline="0" dirty="0">
+                          <a:solidFill>
+                            <a:schemeClr val="dk1"/>
+                          </a:solidFill>
+                          <a:latin typeface="+mn-lt"/>
+                          <a:ea typeface="+mn-ea"/>
+                          <a:cs typeface="+mn-cs"/>
                         </a:rPr>
-                        <a:t>7.99s</a:t>
-                      </a:r>
-                      <a:endParaRPr lang="en-US" sz="3800" b="0" i="0" u="none" strike="noStrike" dirty="0">
-                        <a:solidFill>
-                          <a:srgbClr val="000000"/>
-                        </a:solidFill>
-                        <a:effectLst/>
-                        <a:latin typeface="Calibri" panose="020F0502020204030204" pitchFamily="34" charset="0"/>
-                      </a:endParaRPr>
-                    </a:p>
-                  </a:txBody>
-                  <a:tcPr marL="32393" marR="32393" marT="32393" marB="0" anchor="b"/>
+                        <a:t>469</a:t>
+                      </a:r>
+                    </a:p>
+                  </a:txBody>
+                  <a:tcPr marL="28575" marR="28575" marT="19050" marB="19050" anchor="b"/>
                 </a:tc>
                 <a:tc>
                   <a:txBody>
                     <a:bodyPr/>
                     <a:lstStyle/>
                     <a:p>
-                      <a:pPr algn="r" fontAlgn="b"/>
-                      <a:r>
-                        <a:rPr lang="en-US" sz="3800" u="none" strike="noStrike" dirty="0">
-                          <a:effectLst/>
+                      <a:pPr algn="r"/>
+                      <a:r>
+                        <a:rPr lang="en-US" sz="3200" kern="1200" baseline="0" dirty="0">
+                          <a:solidFill>
+                            <a:schemeClr val="dk1"/>
+                          </a:solidFill>
+                          <a:latin typeface="+mn-lt"/>
+                          <a:ea typeface="+mn-ea"/>
+                          <a:cs typeface="+mn-cs"/>
                         </a:rPr>
-                        <a:t>0.96s</a:t>
-                      </a:r>
-                      <a:endParaRPr lang="en-US" sz="3800" b="0" i="0" u="none" strike="noStrike" dirty="0">
-                        <a:solidFill>
-                          <a:srgbClr val="000000"/>
-                        </a:solidFill>
-                        <a:effectLst/>
-                        <a:latin typeface="Calibri" panose="020F0502020204030204" pitchFamily="34" charset="0"/>
-                      </a:endParaRPr>
-                    </a:p>
-                  </a:txBody>
-                  <a:tcPr marL="32393" marR="32393" marT="32393" marB="0" anchor="b"/>
+                        <a:t>4106</a:t>
+                      </a:r>
+                    </a:p>
+                  </a:txBody>
+                  <a:tcPr marL="28575" marR="28575" marT="19050" marB="19050" anchor="b"/>
                 </a:tc>
                 <a:tc>
                   <a:txBody>
                     <a:bodyPr/>
                     <a:lstStyle/>
                     <a:p>
-                      <a:pPr algn="r" fontAlgn="b"/>
-                      <a:r>
-                        <a:rPr lang="en-US" sz="3800" u="none" strike="noStrike" dirty="0">
-                          <a:effectLst/>
+                      <a:pPr algn="r"/>
+                      <a:r>
+                        <a:rPr lang="en-US" sz="3200" kern="1200" baseline="0" dirty="0">
+                          <a:solidFill>
+                            <a:schemeClr val="dk1"/>
+                          </a:solidFill>
+                          <a:latin typeface="+mn-lt"/>
+                          <a:ea typeface="+mn-ea"/>
+                          <a:cs typeface="+mn-cs"/>
                         </a:rPr>
-                        <a:t>4.02s</a:t>
-                      </a:r>
-                      <a:endParaRPr lang="en-US" sz="3800" b="0" i="0" u="none" strike="noStrike" dirty="0">
-                        <a:solidFill>
-                          <a:srgbClr val="000000"/>
-                        </a:solidFill>
-                        <a:effectLst/>
-                        <a:latin typeface="Calibri" panose="020F0502020204030204" pitchFamily="34" charset="0"/>
-                      </a:endParaRPr>
-                    </a:p>
-                  </a:txBody>
-                  <a:tcPr marL="32393" marR="32393" marT="32393" marB="0" anchor="b"/>
-                </a:tc>
-                <a:tc>
-                  <a:txBody>
-                    <a:bodyPr/>
-                    <a:lstStyle/>
-                    <a:p>
-                      <a:pPr algn="r" fontAlgn="b"/>
-                      <a:r>
-                        <a:rPr lang="en-US" sz="3800" u="none" strike="noStrike" dirty="0">
-                          <a:effectLst/>
-                        </a:rPr>
-                        <a:t>5.62s</a:t>
-                      </a:r>
-                      <a:endParaRPr lang="en-US" sz="3800" b="0" i="0" u="none" strike="noStrike" dirty="0">
-                        <a:solidFill>
-                          <a:srgbClr val="000000"/>
-                        </a:solidFill>
-                        <a:effectLst/>
-                        <a:latin typeface="Calibri" panose="020F0502020204030204" pitchFamily="34" charset="0"/>
-                      </a:endParaRPr>
-                    </a:p>
-                  </a:txBody>
-                  <a:tcPr marL="32393" marR="32393" marT="32393" marB="0" anchor="b"/>
-                </a:tc>
-                <a:tc>
-                  <a:txBody>
-                    <a:bodyPr/>
-                    <a:lstStyle/>
-                    <a:p>
-                      <a:pPr algn="r" fontAlgn="b"/>
-                      <a:r>
-                        <a:rPr lang="en-US" sz="3800" u="none" strike="noStrike" dirty="0">
-                          <a:effectLst/>
-                        </a:rPr>
-                        <a:t>25.26s</a:t>
-                      </a:r>
-                      <a:endParaRPr lang="en-US" sz="3800" b="0" i="0" u="none" strike="noStrike" dirty="0">
-                        <a:solidFill>
-                          <a:srgbClr val="000000"/>
-                        </a:solidFill>
-                        <a:effectLst/>
-                        <a:latin typeface="Calibri" panose="020F0502020204030204" pitchFamily="34" charset="0"/>
-                      </a:endParaRPr>
-                    </a:p>
-                  </a:txBody>
-                  <a:tcPr marL="32393" marR="32393" marT="32393" marB="0" anchor="b"/>
+                        <a:t>11.4%</a:t>
+                      </a:r>
+                    </a:p>
+                  </a:txBody>
+                  <a:tcPr marL="28575" marR="28575" marT="19050" marB="19050" anchor="b"/>
                 </a:tc>
                 <a:extLst>
                   <a:ext uri="{0D108BD9-81ED-4DB2-BD59-A6C34878D82A}">
@@ -3972,7 +4829,7 @@
                   </a:ext>
                 </a:extLst>
               </a:tr>
-              <a:tr h="370840">
+              <a:tr h="562130">
                 <a:tc>
                   <a:txBody>
                     <a:bodyPr/>
@@ -3980,122 +4837,164 @@
                     <a:p>
                       <a:pPr algn="ctr"/>
                       <a:r>
-                        <a:rPr lang="en-US" dirty="0"/>
-                        <a:t>Scaled  to 30%</a:t>
-                      </a:r>
-                    </a:p>
-                  </a:txBody>
-                  <a:tcPr/>
+                        <a:rPr lang="en-US" sz="3200" dirty="0"/>
+                        <a:t>Scaled to</a:t>
+                      </a:r>
+                      <a:r>
+                        <a:rPr lang="en-US" sz="3200" baseline="0" dirty="0"/>
+                        <a:t> 70%</a:t>
+                      </a:r>
+                      <a:endParaRPr lang="en-US" sz="3200" dirty="0"/>
+                    </a:p>
+                  </a:txBody>
+                  <a:tcPr marL="70132" marR="70132" marT="35066" marB="35066"/>
                 </a:tc>
                 <a:tc>
                   <a:txBody>
                     <a:bodyPr/>
                     <a:lstStyle/>
                     <a:p>
-                      <a:pPr algn="r" fontAlgn="b"/>
-                      <a:r>
-                        <a:rPr lang="en-US" sz="3800" u="none" strike="noStrike" kern="1200" dirty="0">
+                      <a:pPr algn="r" rtl="0" fontAlgn="b"/>
+                      <a:r>
+                        <a:rPr lang="en-US" sz="3200" kern="1200" baseline="0" dirty="0">
                           <a:solidFill>
                             <a:schemeClr val="dk1"/>
                           </a:solidFill>
-                          <a:effectLst/>
                           <a:latin typeface="+mn-lt"/>
                           <a:ea typeface="+mn-ea"/>
                           <a:cs typeface="+mn-cs"/>
                         </a:rPr>
-                        <a:t>1.09s</a:t>
-                      </a:r>
-                    </a:p>
-                  </a:txBody>
-                  <a:tcPr marL="9525" marR="9525" marT="9525" marB="0" anchor="b"/>
+                        <a:t>247</a:t>
+                      </a:r>
+                    </a:p>
+                  </a:txBody>
+                  <a:tcPr marL="28575" marR="28575" marT="19050" marB="19050" anchor="b"/>
                 </a:tc>
                 <a:tc>
                   <a:txBody>
                     <a:bodyPr/>
                     <a:lstStyle/>
                     <a:p>
-                      <a:pPr algn="r" fontAlgn="b"/>
-                      <a:r>
-                        <a:rPr lang="en-US" sz="3800" u="none" strike="noStrike" kern="1200" dirty="0">
+                      <a:pPr algn="r" rtl="0" fontAlgn="b"/>
+                      <a:r>
+                        <a:rPr lang="en-US" sz="3200" kern="1200" baseline="0" dirty="0">
                           <a:solidFill>
                             <a:schemeClr val="dk1"/>
                           </a:solidFill>
-                          <a:effectLst/>
                           <a:latin typeface="+mn-lt"/>
                           <a:ea typeface="+mn-ea"/>
                           <a:cs typeface="+mn-cs"/>
                         </a:rPr>
-                        <a:t>0.47s</a:t>
-                      </a:r>
-                    </a:p>
-                  </a:txBody>
-                  <a:tcPr marL="9525" marR="9525" marT="9525" marB="0" anchor="b"/>
+                        <a:t>2344</a:t>
+                      </a:r>
+                    </a:p>
+                  </a:txBody>
+                  <a:tcPr marL="28575" marR="28575" marT="19050" marB="19050" anchor="b"/>
                 </a:tc>
                 <a:tc>
                   <a:txBody>
                     <a:bodyPr/>
                     <a:lstStyle/>
                     <a:p>
-                      <a:pPr algn="r" fontAlgn="b"/>
-                      <a:r>
-                        <a:rPr lang="en-US" sz="3800" u="none" strike="noStrike" kern="1200" dirty="0">
+                      <a:pPr algn="r" rtl="0" fontAlgn="b"/>
+                      <a:r>
+                        <a:rPr lang="en-US" sz="3200" kern="1200" baseline="0" dirty="0">
                           <a:solidFill>
                             <a:schemeClr val="dk1"/>
                           </a:solidFill>
-                          <a:effectLst/>
                           <a:latin typeface="+mn-lt"/>
                           <a:ea typeface="+mn-ea"/>
                           <a:cs typeface="+mn-cs"/>
                         </a:rPr>
-                        <a:t>2.01s</a:t>
-                      </a:r>
-                    </a:p>
-                  </a:txBody>
-                  <a:tcPr marL="9525" marR="9525" marT="9525" marB="0" anchor="b"/>
-                </a:tc>
+                        <a:t>10.6%</a:t>
+                      </a:r>
+                    </a:p>
+                  </a:txBody>
+                  <a:tcPr marL="28575" marR="28575" marT="19050" marB="19050" anchor="b"/>
+                </a:tc>
+                <a:extLst>
+                  <a:ext uri="{0D108BD9-81ED-4DB2-BD59-A6C34878D82A}">
+                    <a16:rowId xmlns:a16="http://schemas.microsoft.com/office/drawing/2014/main" val="1544702523"/>
+                  </a:ext>
+                </a:extLst>
+              </a:tr>
+              <a:tr h="562130">
                 <a:tc>
                   <a:txBody>
                     <a:bodyPr/>
                     <a:lstStyle/>
                     <a:p>
-                      <a:pPr algn="r" fontAlgn="b"/>
-                      <a:r>
-                        <a:rPr lang="en-US" sz="3800" u="none" strike="noStrike" kern="1200" dirty="0">
+                      <a:pPr algn="ctr"/>
+                      <a:r>
+                        <a:rPr lang="en-US" sz="3200" dirty="0"/>
+                        <a:t>Scaled  to 30%</a:t>
+                      </a:r>
+                    </a:p>
+                  </a:txBody>
+                  <a:tcPr marL="70132" marR="70132" marT="35066" marB="35066"/>
+                </a:tc>
+                <a:tc>
+                  <a:txBody>
+                    <a:bodyPr/>
+                    <a:lstStyle/>
+                    <a:p>
+                      <a:pPr algn="r" rtl="0" fontAlgn="b"/>
+                      <a:r>
+                        <a:rPr lang="en-US" sz="3200" kern="1200" baseline="0" dirty="0">
                           <a:solidFill>
                             <a:schemeClr val="dk1"/>
                           </a:solidFill>
-                          <a:effectLst/>
                           <a:latin typeface="+mn-lt"/>
                           <a:ea typeface="+mn-ea"/>
                           <a:cs typeface="+mn-cs"/>
                         </a:rPr>
-                        <a:t>5.08s</a:t>
-                      </a:r>
-                    </a:p>
-                  </a:txBody>
-                  <a:tcPr marL="9525" marR="9525" marT="9525" marB="0" anchor="b"/>
+                        <a:t>21</a:t>
+                      </a:r>
+                    </a:p>
+                  </a:txBody>
+                  <a:tcPr marL="28575" marR="28575" marT="19050" marB="19050" anchor="b"/>
                 </a:tc>
                 <a:tc>
                   <a:txBody>
                     <a:bodyPr/>
                     <a:lstStyle/>
                     <a:p>
-                      <a:pPr algn="r" fontAlgn="b"/>
-                      <a:r>
-                        <a:rPr lang="en-US" sz="3800" u="none" strike="noStrike" kern="1200" dirty="0">
+                      <a:pPr algn="r" rtl="0" fontAlgn="b"/>
+                      <a:r>
+                        <a:rPr lang="en-US" sz="3200" kern="1200" baseline="0" dirty="0">
                           <a:solidFill>
                             <a:schemeClr val="dk1"/>
                           </a:solidFill>
-                          <a:effectLst/>
                           <a:latin typeface="+mn-lt"/>
                           <a:ea typeface="+mn-ea"/>
                           <a:cs typeface="+mn-cs"/>
                         </a:rPr>
-                        <a:t>10.47s</a:t>
-                      </a:r>
-                    </a:p>
-                  </a:txBody>
-                  <a:tcPr marL="9525" marR="9525" marT="9525" marB="0" anchor="b"/>
+                        <a:t>259</a:t>
+                      </a:r>
+                    </a:p>
+                  </a:txBody>
+                  <a:tcPr marL="28575" marR="28575" marT="19050" marB="19050" anchor="b"/>
+                </a:tc>
+                <a:tc>
+                  <a:txBody>
+                    <a:bodyPr/>
+                    <a:lstStyle/>
+                    <a:p>
+                      <a:pPr algn="r" rtl="0" fontAlgn="b"/>
+                      <a:r>
+                        <a:rPr lang="en-US" sz="3200" kern="1200" baseline="0" dirty="0">
+                          <a:solidFill>
+                            <a:schemeClr val="dk1"/>
+                          </a:solidFill>
+                          <a:latin typeface="+mn-lt"/>
+                          <a:ea typeface="+mn-ea"/>
+                          <a:cs typeface="+mn-cs"/>
+                        </a:rPr>
+                        <a:t>8.1%</a:t>
+                      </a:r>
+                    </a:p>
+                  </a:txBody>
+                  <a:tcPr marL="28575" marR="28575" marT="19050" marB="19050" anchor="b"/>
                 </a:tc>
                 <a:extLst>
                   <a:ext uri="{0D108BD9-81ED-4DB2-BD59-A6C34878D82A}">
@@ -4107,6 +5006,1023 @@
           </a:graphicData>
         </a:graphic>
       </p:graphicFrame>
+      <p:graphicFrame>
+        <p:nvGraphicFramePr>
+          <p:cNvPr id="21" name="Table 20"/>
+          <p:cNvGraphicFramePr>
+            <a:graphicFrameLocks noGrp="1"/>
+          </p:cNvGraphicFramePr>
+          <p:nvPr>
+            <p:extLst>
+              <p:ext uri="{D42A27DB-BD31-4B8C-83A1-F6EECF244321}">
+                <p14:modId xmlns:p14="http://schemas.microsoft.com/office/powerpoint/2010/main" val="1736931479"/>
+              </p:ext>
+            </p:extLst>
+          </p:nvPr>
+        </p:nvGraphicFramePr>
+        <p:xfrm>
+          <a:off x="524086" y="24396476"/>
+          <a:ext cx="19926275" cy="2248520"/>
+        </p:xfrm>
+        <a:graphic>
+          <a:graphicData uri="http://schemas.openxmlformats.org/drawingml/2006/table">
+            <a:tbl>
+              <a:tblPr firstRow="1" bandRow="1">
+                <a:tableStyleId>{7DF18680-E054-41AD-8BC1-D1AEF772440D}</a:tableStyleId>
+              </a:tblPr>
+              <a:tblGrid>
+                <a:gridCol w="3458739">
+                  <a:extLst>
+                    <a:ext uri="{9D8B030D-6E8A-4147-A177-3AD203B41FA5}">
+                      <a16:colId xmlns:a16="http://schemas.microsoft.com/office/drawing/2014/main" val="4081085336"/>
+                    </a:ext>
+                  </a:extLst>
+                </a:gridCol>
+                <a:gridCol w="3183352">
+                  <a:extLst>
+                    <a:ext uri="{9D8B030D-6E8A-4147-A177-3AD203B41FA5}">
+                      <a16:colId xmlns:a16="http://schemas.microsoft.com/office/drawing/2014/main" val="2774472591"/>
+                    </a:ext>
+                  </a:extLst>
+                </a:gridCol>
+                <a:gridCol w="3321046">
+                  <a:extLst>
+                    <a:ext uri="{9D8B030D-6E8A-4147-A177-3AD203B41FA5}">
+                      <a16:colId xmlns:a16="http://schemas.microsoft.com/office/drawing/2014/main" val="3583958869"/>
+                    </a:ext>
+                  </a:extLst>
+                </a:gridCol>
+                <a:gridCol w="3321046">
+                  <a:extLst>
+                    <a:ext uri="{9D8B030D-6E8A-4147-A177-3AD203B41FA5}">
+                      <a16:colId xmlns:a16="http://schemas.microsoft.com/office/drawing/2014/main" val="3709093603"/>
+                    </a:ext>
+                  </a:extLst>
+                </a:gridCol>
+                <a:gridCol w="3321046">
+                  <a:extLst>
+                    <a:ext uri="{9D8B030D-6E8A-4147-A177-3AD203B41FA5}">
+                      <a16:colId xmlns:a16="http://schemas.microsoft.com/office/drawing/2014/main" val="3903426157"/>
+                    </a:ext>
+                  </a:extLst>
+                </a:gridCol>
+                <a:gridCol w="3321046">
+                  <a:extLst>
+                    <a:ext uri="{9D8B030D-6E8A-4147-A177-3AD203B41FA5}">
+                      <a16:colId xmlns:a16="http://schemas.microsoft.com/office/drawing/2014/main" val="1044335093"/>
+                    </a:ext>
+                  </a:extLst>
+                </a:gridCol>
+              </a:tblGrid>
+              <a:tr h="562130">
+                <a:tc gridSpan="6">
+                  <a:txBody>
+                    <a:bodyPr/>
+                    <a:lstStyle/>
+                    <a:p>
+                      <a:pPr algn="ctr"/>
+                      <a:r>
+                        <a:rPr lang="en-US" sz="3200" baseline="0" dirty="0"/>
+                        <a:t>Text detection assisted </a:t>
+                      </a:r>
+                      <a:r>
+                        <a:rPr lang="en-US" sz="3200" baseline="0" dirty="0" err="1"/>
+                        <a:t>Homography</a:t>
+                      </a:r>
+                      <a:r>
+                        <a:rPr lang="en-US" sz="3200" baseline="0" dirty="0"/>
+                        <a:t> </a:t>
+                      </a:r>
+                      <a:r>
+                        <a:rPr lang="en-US" sz="3200" baseline="0" dirty="0" err="1"/>
+                        <a:t>Marix</a:t>
+                      </a:r>
+                      <a:r>
+                        <a:rPr lang="en-US" sz="3200" baseline="0" dirty="0"/>
+                        <a:t> finding  - (Unidentified words/Words near seam)</a:t>
+                      </a:r>
+                      <a:endParaRPr lang="en-US" sz="3200" dirty="0"/>
+                    </a:p>
+                  </a:txBody>
+                  <a:tcPr marL="70132" marR="70132" marT="35066" marB="35066">
+                    <a:solidFill>
+                      <a:schemeClr val="accent1">
+                        <a:lumMod val="75000"/>
+                      </a:schemeClr>
+                    </a:solidFill>
+                  </a:tcPr>
+                </a:tc>
+                <a:tc hMerge="1">
+                  <a:txBody>
+                    <a:bodyPr/>
+                    <a:lstStyle/>
+                    <a:p>
+                      <a:pPr algn="ctr" fontAlgn="b"/>
+                      <a:endParaRPr lang="en-US" sz="3800" b="0" i="0" u="none" strike="noStrike" dirty="0">
+                        <a:solidFill>
+                          <a:srgbClr val="000000"/>
+                        </a:solidFill>
+                        <a:effectLst/>
+                        <a:latin typeface="Calibri" panose="020F0502020204030204" pitchFamily="34" charset="0"/>
+                      </a:endParaRPr>
+                    </a:p>
+                  </a:txBody>
+                  <a:tcPr marL="32393" marR="32393" marT="32393" marB="0" anchor="b"/>
+                </a:tc>
+                <a:tc hMerge="1">
+                  <a:txBody>
+                    <a:bodyPr/>
+                    <a:lstStyle/>
+                    <a:p>
+                      <a:pPr algn="ctr" fontAlgn="b"/>
+                      <a:endParaRPr lang="en-US" sz="3800" b="0" i="0" u="none" strike="noStrike" dirty="0">
+                        <a:solidFill>
+                          <a:srgbClr val="000000"/>
+                        </a:solidFill>
+                        <a:effectLst/>
+                        <a:latin typeface="Calibri" panose="020F0502020204030204" pitchFamily="34" charset="0"/>
+                      </a:endParaRPr>
+                    </a:p>
+                  </a:txBody>
+                  <a:tcPr marL="32393" marR="32393" marT="32393" marB="0" anchor="b"/>
+                </a:tc>
+                <a:tc hMerge="1">
+                  <a:txBody>
+                    <a:bodyPr/>
+                    <a:lstStyle/>
+                    <a:p>
+                      <a:pPr algn="ctr"/>
+                      <a:endParaRPr lang="en-US" dirty="0"/>
+                    </a:p>
+                  </a:txBody>
+                  <a:tcPr>
+                    <a:solidFill>
+                      <a:schemeClr val="accent1">
+                        <a:lumMod val="75000"/>
+                      </a:schemeClr>
+                    </a:solidFill>
+                  </a:tcPr>
+                </a:tc>
+                <a:tc hMerge="1">
+                  <a:txBody>
+                    <a:bodyPr/>
+                    <a:lstStyle/>
+                    <a:p>
+                      <a:pPr algn="ctr"/>
+                      <a:endParaRPr lang="en-US" sz="3200" dirty="0"/>
+                    </a:p>
+                  </a:txBody>
+                  <a:tcPr marL="70132" marR="70132" marT="35066" marB="35066">
+                    <a:solidFill>
+                      <a:schemeClr val="accent1">
+                        <a:lumMod val="75000"/>
+                      </a:schemeClr>
+                    </a:solidFill>
+                  </a:tcPr>
+                </a:tc>
+                <a:tc hMerge="1">
+                  <a:txBody>
+                    <a:bodyPr/>
+                    <a:lstStyle/>
+                    <a:p>
+                      <a:pPr algn="ctr"/>
+                      <a:endParaRPr lang="en-US" sz="3200" dirty="0"/>
+                    </a:p>
+                  </a:txBody>
+                  <a:tcPr marL="70132" marR="70132" marT="35066" marB="35066">
+                    <a:solidFill>
+                      <a:schemeClr val="accent1">
+                        <a:lumMod val="75000"/>
+                      </a:schemeClr>
+                    </a:solidFill>
+                  </a:tcPr>
+                </a:tc>
+                <a:extLst>
+                  <a:ext uri="{0D108BD9-81ED-4DB2-BD59-A6C34878D82A}">
+                    <a16:rowId xmlns:a16="http://schemas.microsoft.com/office/drawing/2014/main" val="2001312851"/>
+                  </a:ext>
+                </a:extLst>
+              </a:tr>
+              <a:tr h="562130">
+                <a:tc>
+                  <a:txBody>
+                    <a:bodyPr/>
+                    <a:lstStyle/>
+                    <a:p>
+                      <a:endParaRPr lang="en-US" sz="3200" dirty="0"/>
+                    </a:p>
+                  </a:txBody>
+                  <a:tcPr marL="70132" marR="70132" marT="35066" marB="35066">
+                    <a:solidFill>
+                      <a:schemeClr val="accent1">
+                        <a:lumMod val="75000"/>
+                      </a:schemeClr>
+                    </a:solidFill>
+                  </a:tcPr>
+                </a:tc>
+                <a:tc>
+                  <a:txBody>
+                    <a:bodyPr/>
+                    <a:lstStyle/>
+                    <a:p>
+                      <a:pPr algn="ctr" fontAlgn="b"/>
+                      <a:r>
+                        <a:rPr lang="en-US" sz="3100" b="0" i="0" u="none" strike="noStrike" dirty="0">
+                          <a:solidFill>
+                            <a:schemeClr val="bg1"/>
+                          </a:solidFill>
+                          <a:effectLst/>
+                          <a:latin typeface="Calibri" panose="020F0502020204030204" pitchFamily="34" charset="0"/>
+                        </a:rPr>
+                        <a:t>Test</a:t>
+                      </a:r>
+                      <a:r>
+                        <a:rPr lang="en-US" sz="3100" b="0" i="0" u="none" strike="noStrike" baseline="0" dirty="0">
+                          <a:solidFill>
+                            <a:schemeClr val="bg1"/>
+                          </a:solidFill>
+                          <a:effectLst/>
+                          <a:latin typeface="Calibri" panose="020F0502020204030204" pitchFamily="34" charset="0"/>
+                        </a:rPr>
+                        <a:t> 1</a:t>
+                      </a:r>
+                      <a:endParaRPr lang="en-US" sz="3100" b="0" i="0" u="none" strike="noStrike" dirty="0">
+                        <a:solidFill>
+                          <a:schemeClr val="bg1"/>
+                        </a:solidFill>
+                        <a:effectLst/>
+                        <a:latin typeface="Calibri" panose="020F0502020204030204" pitchFamily="34" charset="0"/>
+                      </a:endParaRPr>
+                    </a:p>
+                  </a:txBody>
+                  <a:tcPr marL="24845" marR="24845" marT="24845" marB="0" anchor="b">
+                    <a:solidFill>
+                      <a:schemeClr val="accent1">
+                        <a:lumMod val="75000"/>
+                      </a:schemeClr>
+                    </a:solidFill>
+                  </a:tcPr>
+                </a:tc>
+                <a:tc>
+                  <a:txBody>
+                    <a:bodyPr/>
+                    <a:lstStyle/>
+                    <a:p>
+                      <a:pPr marL="0" marR="0" indent="0" algn="ctr" defTabSz="2138324" rtl="0" eaLnBrk="1" fontAlgn="b" latinLnBrk="0" hangingPunct="1">
+                        <a:lnSpc>
+                          <a:spcPct val="100000"/>
+                        </a:lnSpc>
+                        <a:spcBef>
+                          <a:spcPts val="0"/>
+                        </a:spcBef>
+                        <a:spcAft>
+                          <a:spcPts val="0"/>
+                        </a:spcAft>
+                        <a:buClrTx/>
+                        <a:buSzTx/>
+                        <a:buFontTx/>
+                        <a:buNone/>
+                        <a:tabLst/>
+                        <a:defRPr/>
+                      </a:pPr>
+                      <a:r>
+                        <a:rPr lang="en-US" sz="3100" b="0" i="0" u="none" strike="noStrike" dirty="0">
+                          <a:solidFill>
+                            <a:schemeClr val="bg1"/>
+                          </a:solidFill>
+                          <a:effectLst/>
+                          <a:latin typeface="Calibri" panose="020F0502020204030204" pitchFamily="34" charset="0"/>
+                        </a:rPr>
+                        <a:t>Test</a:t>
+                      </a:r>
+                      <a:r>
+                        <a:rPr lang="en-US" sz="3100" b="0" i="0" u="none" strike="noStrike" baseline="0" dirty="0">
+                          <a:solidFill>
+                            <a:schemeClr val="bg1"/>
+                          </a:solidFill>
+                          <a:effectLst/>
+                          <a:latin typeface="Calibri" panose="020F0502020204030204" pitchFamily="34" charset="0"/>
+                        </a:rPr>
+                        <a:t> 2</a:t>
+                      </a:r>
+                      <a:endParaRPr lang="en-US" sz="3100" b="0" i="0" u="none" strike="noStrike" dirty="0">
+                        <a:solidFill>
+                          <a:schemeClr val="bg1"/>
+                        </a:solidFill>
+                        <a:effectLst/>
+                        <a:latin typeface="Calibri" panose="020F0502020204030204" pitchFamily="34" charset="0"/>
+                      </a:endParaRPr>
+                    </a:p>
+                  </a:txBody>
+                  <a:tcPr marL="24845" marR="24845" marT="24845" marB="0" anchor="b">
+                    <a:solidFill>
+                      <a:schemeClr val="accent1">
+                        <a:lumMod val="75000"/>
+                      </a:schemeClr>
+                    </a:solidFill>
+                  </a:tcPr>
+                </a:tc>
+                <a:tc>
+                  <a:txBody>
+                    <a:bodyPr/>
+                    <a:lstStyle/>
+                    <a:p>
+                      <a:pPr marL="0" marR="0" indent="0" algn="ctr" defTabSz="2138324" rtl="0" eaLnBrk="1" fontAlgn="b" latinLnBrk="0" hangingPunct="1">
+                        <a:lnSpc>
+                          <a:spcPct val="100000"/>
+                        </a:lnSpc>
+                        <a:spcBef>
+                          <a:spcPts val="0"/>
+                        </a:spcBef>
+                        <a:spcAft>
+                          <a:spcPts val="0"/>
+                        </a:spcAft>
+                        <a:buClrTx/>
+                        <a:buSzTx/>
+                        <a:buFontTx/>
+                        <a:buNone/>
+                        <a:tabLst/>
+                        <a:defRPr/>
+                      </a:pPr>
+                      <a:r>
+                        <a:rPr lang="en-US" sz="3100" b="0" i="0" u="none" strike="noStrike" dirty="0">
+                          <a:solidFill>
+                            <a:schemeClr val="bg1"/>
+                          </a:solidFill>
+                          <a:effectLst/>
+                          <a:latin typeface="Calibri" panose="020F0502020204030204" pitchFamily="34" charset="0"/>
+                        </a:rPr>
+                        <a:t>Test</a:t>
+                      </a:r>
+                      <a:r>
+                        <a:rPr lang="en-US" sz="3100" b="0" i="0" u="none" strike="noStrike" baseline="0" dirty="0">
+                          <a:solidFill>
+                            <a:schemeClr val="bg1"/>
+                          </a:solidFill>
+                          <a:effectLst/>
+                          <a:latin typeface="Calibri" panose="020F0502020204030204" pitchFamily="34" charset="0"/>
+                        </a:rPr>
+                        <a:t> 3</a:t>
+                      </a:r>
+                      <a:endParaRPr lang="en-US" sz="3100" b="0" i="0" u="none" strike="noStrike" dirty="0">
+                        <a:solidFill>
+                          <a:schemeClr val="bg1"/>
+                        </a:solidFill>
+                        <a:effectLst/>
+                        <a:latin typeface="Calibri" panose="020F0502020204030204" pitchFamily="34" charset="0"/>
+                      </a:endParaRPr>
+                    </a:p>
+                  </a:txBody>
+                  <a:tcPr marL="24845" marR="24845" marT="24845" marB="0" anchor="b">
+                    <a:solidFill>
+                      <a:schemeClr val="accent1">
+                        <a:lumMod val="75000"/>
+                      </a:schemeClr>
+                    </a:solidFill>
+                  </a:tcPr>
+                </a:tc>
+                <a:tc>
+                  <a:txBody>
+                    <a:bodyPr/>
+                    <a:lstStyle/>
+                    <a:p>
+                      <a:pPr marL="0" marR="0" indent="0" algn="ctr" defTabSz="2138324" rtl="0" eaLnBrk="1" fontAlgn="b" latinLnBrk="0" hangingPunct="1">
+                        <a:lnSpc>
+                          <a:spcPct val="100000"/>
+                        </a:lnSpc>
+                        <a:spcBef>
+                          <a:spcPts val="0"/>
+                        </a:spcBef>
+                        <a:spcAft>
+                          <a:spcPts val="0"/>
+                        </a:spcAft>
+                        <a:buClrTx/>
+                        <a:buSzTx/>
+                        <a:buFontTx/>
+                        <a:buNone/>
+                        <a:tabLst/>
+                        <a:defRPr/>
+                      </a:pPr>
+                      <a:r>
+                        <a:rPr lang="en-US" sz="3100" b="0" i="0" u="none" strike="noStrike" dirty="0">
+                          <a:solidFill>
+                            <a:schemeClr val="bg1"/>
+                          </a:solidFill>
+                          <a:effectLst/>
+                          <a:latin typeface="Calibri" panose="020F0502020204030204" pitchFamily="34" charset="0"/>
+                        </a:rPr>
+                        <a:t>Test</a:t>
+                      </a:r>
+                      <a:r>
+                        <a:rPr lang="en-US" sz="3100" b="0" i="0" u="none" strike="noStrike" baseline="0" dirty="0">
+                          <a:solidFill>
+                            <a:schemeClr val="bg1"/>
+                          </a:solidFill>
+                          <a:effectLst/>
+                          <a:latin typeface="Calibri" panose="020F0502020204030204" pitchFamily="34" charset="0"/>
+                        </a:rPr>
+                        <a:t> 4</a:t>
+                      </a:r>
+                      <a:endParaRPr lang="en-US" sz="3100" b="0" i="0" u="none" strike="noStrike" dirty="0">
+                        <a:solidFill>
+                          <a:schemeClr val="bg1"/>
+                        </a:solidFill>
+                        <a:effectLst/>
+                        <a:latin typeface="Calibri" panose="020F0502020204030204" pitchFamily="34" charset="0"/>
+                      </a:endParaRPr>
+                    </a:p>
+                  </a:txBody>
+                  <a:tcPr marL="24845" marR="24845" marT="24845" marB="0" anchor="b">
+                    <a:solidFill>
+                      <a:schemeClr val="accent1">
+                        <a:lumMod val="75000"/>
+                      </a:schemeClr>
+                    </a:solidFill>
+                  </a:tcPr>
+                </a:tc>
+                <a:tc>
+                  <a:txBody>
+                    <a:bodyPr/>
+                    <a:lstStyle/>
+                    <a:p>
+                      <a:pPr marL="0" marR="0" indent="0" algn="ctr" defTabSz="2138324" rtl="0" eaLnBrk="1" fontAlgn="b" latinLnBrk="0" hangingPunct="1">
+                        <a:lnSpc>
+                          <a:spcPct val="100000"/>
+                        </a:lnSpc>
+                        <a:spcBef>
+                          <a:spcPts val="0"/>
+                        </a:spcBef>
+                        <a:spcAft>
+                          <a:spcPts val="0"/>
+                        </a:spcAft>
+                        <a:buClrTx/>
+                        <a:buSzTx/>
+                        <a:buFontTx/>
+                        <a:buNone/>
+                        <a:tabLst/>
+                        <a:defRPr/>
+                      </a:pPr>
+                      <a:r>
+                        <a:rPr lang="en-US" sz="3100" b="0" i="0" u="none" strike="noStrike" dirty="0">
+                          <a:solidFill>
+                            <a:schemeClr val="bg1"/>
+                          </a:solidFill>
+                          <a:effectLst/>
+                          <a:latin typeface="Calibri" panose="020F0502020204030204" pitchFamily="34" charset="0"/>
+                        </a:rPr>
+                        <a:t>Test</a:t>
+                      </a:r>
+                      <a:r>
+                        <a:rPr lang="en-US" sz="3100" b="0" i="0" u="none" strike="noStrike" baseline="0" dirty="0">
+                          <a:solidFill>
+                            <a:schemeClr val="bg1"/>
+                          </a:solidFill>
+                          <a:effectLst/>
+                          <a:latin typeface="Calibri" panose="020F0502020204030204" pitchFamily="34" charset="0"/>
+                        </a:rPr>
+                        <a:t> 5</a:t>
+                      </a:r>
+                      <a:endParaRPr lang="en-US" sz="3100" b="0" i="0" u="none" strike="noStrike" dirty="0">
+                        <a:solidFill>
+                          <a:schemeClr val="bg1"/>
+                        </a:solidFill>
+                        <a:effectLst/>
+                        <a:latin typeface="Calibri" panose="020F0502020204030204" pitchFamily="34" charset="0"/>
+                      </a:endParaRPr>
+                    </a:p>
+                  </a:txBody>
+                  <a:tcPr marL="24845" marR="24845" marT="24845" marB="0" anchor="b">
+                    <a:solidFill>
+                      <a:schemeClr val="accent1">
+                        <a:lumMod val="75000"/>
+                      </a:schemeClr>
+                    </a:solidFill>
+                  </a:tcPr>
+                </a:tc>
+                <a:extLst>
+                  <a:ext uri="{0D108BD9-81ED-4DB2-BD59-A6C34878D82A}">
+                    <a16:rowId xmlns:a16="http://schemas.microsoft.com/office/drawing/2014/main" val="4283396266"/>
+                  </a:ext>
+                </a:extLst>
+              </a:tr>
+              <a:tr h="562130">
+                <a:tc>
+                  <a:txBody>
+                    <a:bodyPr/>
+                    <a:lstStyle/>
+                    <a:p>
+                      <a:pPr algn="ctr"/>
+                      <a:r>
+                        <a:rPr lang="en-US" sz="3200" dirty="0"/>
+                        <a:t>w/o Text Detection</a:t>
+                      </a:r>
+                    </a:p>
+                  </a:txBody>
+                  <a:tcPr marL="70132" marR="70132" marT="35066" marB="35066"/>
+                </a:tc>
+                <a:tc>
+                  <a:txBody>
+                    <a:bodyPr/>
+                    <a:lstStyle/>
+                    <a:p>
+                      <a:pPr algn="r"/>
+                      <a:r>
+                        <a:rPr lang="en-US" sz="3200" kern="1200" baseline="0" dirty="0">
+                          <a:solidFill>
+                            <a:schemeClr val="dk1"/>
+                          </a:solidFill>
+                          <a:latin typeface="+mn-lt"/>
+                          <a:ea typeface="+mn-ea"/>
+                          <a:cs typeface="+mn-cs"/>
+                        </a:rPr>
+                        <a:t>4/19</a:t>
+                      </a:r>
+                    </a:p>
+                  </a:txBody>
+                  <a:tcPr marL="28575" marR="28575" marT="19050" marB="19050" anchor="b"/>
+                </a:tc>
+                <a:tc>
+                  <a:txBody>
+                    <a:bodyPr/>
+                    <a:lstStyle/>
+                    <a:p>
+                      <a:pPr algn="r"/>
+                      <a:r>
+                        <a:rPr lang="en-US" sz="3200" kern="1200" baseline="0" dirty="0">
+                          <a:solidFill>
+                            <a:schemeClr val="dk1"/>
+                          </a:solidFill>
+                          <a:latin typeface="+mn-lt"/>
+                          <a:ea typeface="+mn-ea"/>
+                          <a:cs typeface="+mn-cs"/>
+                        </a:rPr>
+                        <a:t>3/19</a:t>
+                      </a:r>
+                    </a:p>
+                  </a:txBody>
+                  <a:tcPr marL="28575" marR="28575" marT="19050" marB="19050" anchor="b"/>
+                </a:tc>
+                <a:tc>
+                  <a:txBody>
+                    <a:bodyPr/>
+                    <a:lstStyle/>
+                    <a:p>
+                      <a:pPr algn="r"/>
+                      <a:r>
+                        <a:rPr lang="en-US" sz="3200" kern="1200" baseline="0" dirty="0">
+                          <a:solidFill>
+                            <a:schemeClr val="dk1"/>
+                          </a:solidFill>
+                          <a:latin typeface="+mn-lt"/>
+                          <a:ea typeface="+mn-ea"/>
+                          <a:cs typeface="+mn-cs"/>
+                        </a:rPr>
+                        <a:t>3/19</a:t>
+                      </a:r>
+                    </a:p>
+                  </a:txBody>
+                  <a:tcPr marL="28575" marR="28575" marT="19050" marB="19050" anchor="b"/>
+                </a:tc>
+                <a:tc>
+                  <a:txBody>
+                    <a:bodyPr/>
+                    <a:lstStyle/>
+                    <a:p>
+                      <a:pPr algn="r"/>
+                      <a:r>
+                        <a:rPr lang="en-US" sz="3200" kern="1200" baseline="0" dirty="0">
+                          <a:solidFill>
+                            <a:schemeClr val="dk1"/>
+                          </a:solidFill>
+                          <a:latin typeface="+mn-lt"/>
+                          <a:ea typeface="+mn-ea"/>
+                          <a:cs typeface="+mn-cs"/>
+                        </a:rPr>
+                        <a:t>2/19</a:t>
+                      </a:r>
+                    </a:p>
+                  </a:txBody>
+                  <a:tcPr marL="28575" marR="28575" marT="19050" marB="19050" anchor="b"/>
+                </a:tc>
+                <a:tc>
+                  <a:txBody>
+                    <a:bodyPr/>
+                    <a:lstStyle/>
+                    <a:p>
+                      <a:pPr algn="r"/>
+                      <a:r>
+                        <a:rPr lang="en-US" sz="3200" kern="1200" baseline="0" dirty="0">
+                          <a:solidFill>
+                            <a:schemeClr val="dk1"/>
+                          </a:solidFill>
+                          <a:latin typeface="+mn-lt"/>
+                          <a:ea typeface="+mn-ea"/>
+                          <a:cs typeface="+mn-cs"/>
+                        </a:rPr>
+                        <a:t>3/19</a:t>
+                      </a:r>
+                    </a:p>
+                  </a:txBody>
+                  <a:tcPr marL="28575" marR="28575" marT="19050" marB="19050" anchor="b"/>
+                </a:tc>
+                <a:extLst>
+                  <a:ext uri="{0D108BD9-81ED-4DB2-BD59-A6C34878D82A}">
+                    <a16:rowId xmlns:a16="http://schemas.microsoft.com/office/drawing/2014/main" val="3363849002"/>
+                  </a:ext>
+                </a:extLst>
+              </a:tr>
+              <a:tr h="562130">
+                <a:tc>
+                  <a:txBody>
+                    <a:bodyPr/>
+                    <a:lstStyle/>
+                    <a:p>
+                      <a:pPr algn="ctr"/>
+                      <a:r>
+                        <a:rPr lang="en-US" sz="3200" dirty="0"/>
+                        <a:t>w/ Text Detection</a:t>
+                      </a:r>
+                    </a:p>
+                  </a:txBody>
+                  <a:tcPr marL="70132" marR="70132" marT="35066" marB="35066"/>
+                </a:tc>
+                <a:tc>
+                  <a:txBody>
+                    <a:bodyPr/>
+                    <a:lstStyle/>
+                    <a:p>
+                      <a:pPr algn="r" rtl="0" fontAlgn="b"/>
+                      <a:r>
+                        <a:rPr lang="en-US" sz="3200" kern="1200" baseline="0" dirty="0">
+                          <a:solidFill>
+                            <a:schemeClr val="dk1"/>
+                          </a:solidFill>
+                          <a:latin typeface="+mn-lt"/>
+                          <a:ea typeface="+mn-ea"/>
+                          <a:cs typeface="+mn-cs"/>
+                        </a:rPr>
+                        <a:t>8/20</a:t>
+                      </a:r>
+                    </a:p>
+                  </a:txBody>
+                  <a:tcPr marL="28575" marR="28575" marT="19050" marB="19050" anchor="b"/>
+                </a:tc>
+                <a:tc>
+                  <a:txBody>
+                    <a:bodyPr/>
+                    <a:lstStyle/>
+                    <a:p>
+                      <a:pPr algn="r"/>
+                      <a:r>
+                        <a:rPr lang="en-US" sz="3200" kern="1200" baseline="0" dirty="0">
+                          <a:solidFill>
+                            <a:schemeClr val="dk1"/>
+                          </a:solidFill>
+                          <a:latin typeface="+mn-lt"/>
+                          <a:ea typeface="+mn-ea"/>
+                          <a:cs typeface="+mn-cs"/>
+                        </a:rPr>
+                        <a:t>1/20</a:t>
+                      </a:r>
+                    </a:p>
+                  </a:txBody>
+                  <a:tcPr marL="28575" marR="28575" marT="19050" marB="19050" anchor="b"/>
+                </a:tc>
+                <a:tc>
+                  <a:txBody>
+                    <a:bodyPr/>
+                    <a:lstStyle/>
+                    <a:p>
+                      <a:pPr algn="r"/>
+                      <a:r>
+                        <a:rPr lang="en-US" sz="3200" kern="1200" baseline="0" dirty="0">
+                          <a:solidFill>
+                            <a:schemeClr val="dk1"/>
+                          </a:solidFill>
+                          <a:latin typeface="+mn-lt"/>
+                          <a:ea typeface="+mn-ea"/>
+                          <a:cs typeface="+mn-cs"/>
+                        </a:rPr>
+                        <a:t>1/20</a:t>
+                      </a:r>
+                    </a:p>
+                  </a:txBody>
+                  <a:tcPr marL="28575" marR="28575" marT="19050" marB="19050" anchor="b"/>
+                </a:tc>
+                <a:tc>
+                  <a:txBody>
+                    <a:bodyPr/>
+                    <a:lstStyle/>
+                    <a:p>
+                      <a:pPr algn="r" rtl="0" fontAlgn="b"/>
+                      <a:r>
+                        <a:rPr lang="en-US" sz="3200" kern="1200" baseline="0" dirty="0">
+                          <a:solidFill>
+                            <a:schemeClr val="dk1"/>
+                          </a:solidFill>
+                          <a:latin typeface="+mn-lt"/>
+                          <a:ea typeface="+mn-ea"/>
+                          <a:cs typeface="+mn-cs"/>
+                        </a:rPr>
+                        <a:t>1/20</a:t>
+                      </a:r>
+                    </a:p>
+                  </a:txBody>
+                  <a:tcPr marL="28575" marR="28575" marT="19050" marB="19050" anchor="b"/>
+                </a:tc>
+                <a:tc>
+                  <a:txBody>
+                    <a:bodyPr/>
+                    <a:lstStyle/>
+                    <a:p>
+                      <a:pPr algn="r" rtl="0" fontAlgn="b"/>
+                      <a:r>
+                        <a:rPr lang="en-US" sz="3200" kern="1200" baseline="0" dirty="0">
+                          <a:solidFill>
+                            <a:schemeClr val="dk1"/>
+                          </a:solidFill>
+                          <a:latin typeface="+mn-lt"/>
+                          <a:ea typeface="+mn-ea"/>
+                          <a:cs typeface="+mn-cs"/>
+                        </a:rPr>
+                        <a:t>6/20</a:t>
+                      </a:r>
+                    </a:p>
+                  </a:txBody>
+                  <a:tcPr marL="28575" marR="28575" marT="19050" marB="19050" anchor="b"/>
+                </a:tc>
+                <a:extLst>
+                  <a:ext uri="{0D108BD9-81ED-4DB2-BD59-A6C34878D82A}">
+                    <a16:rowId xmlns:a16="http://schemas.microsoft.com/office/drawing/2014/main" val="1544702523"/>
+                  </a:ext>
+                </a:extLst>
+              </a:tr>
+            </a:tbl>
+          </a:graphicData>
+        </a:graphic>
+      </p:graphicFrame>
+      <p:sp>
+        <p:nvSpPr>
+          <p:cNvPr id="25" name="TextBox 24"/>
+          <p:cNvSpPr txBox="1"/>
+          <p:nvPr/>
+        </p:nvSpPr>
+        <p:spPr>
+          <a:xfrm>
+            <a:off x="524086" y="26777018"/>
+            <a:ext cx="20001204" cy="954107"/>
+          </a:xfrm>
+          <a:prstGeom prst="rect">
+            <a:avLst/>
+          </a:prstGeom>
+          <a:noFill/>
+        </p:spPr>
+        <p:txBody>
+          <a:bodyPr wrap="square" rtlCol="0">
+            <a:spAutoFit/>
+          </a:bodyPr>
+          <a:lstStyle/>
+          <a:p>
+            <a:pPr fontAlgn="b"/>
+            <a:r>
+              <a:rPr lang="en-US" altLang="zh-TW" sz="2800" dirty="0">
+                <a:latin typeface="微軟正黑體" panose="020B0604030504040204" pitchFamily="34" charset="-120"/>
+                <a:ea typeface="微軟正黑體" panose="020B0604030504040204" pitchFamily="34" charset="-120"/>
+              </a:rPr>
+              <a:t>	</a:t>
+            </a:r>
+            <a:r>
+              <a:rPr lang="zh-TW" altLang="en-US" sz="2800" dirty="0">
+                <a:latin typeface="微軟正黑體" panose="020B0604030504040204" pitchFamily="34" charset="-120"/>
+                <a:ea typeface="微軟正黑體" panose="020B0604030504040204" pitchFamily="34" charset="-120"/>
+              </a:rPr>
+              <a:t>在測試中我們發現使用</a:t>
+            </a:r>
+            <a:r>
+              <a:rPr lang="en-US" altLang="zh-TW" sz="2800" dirty="0">
+                <a:latin typeface="微軟正黑體" panose="020B0604030504040204" pitchFamily="34" charset="-120"/>
+                <a:ea typeface="微軟正黑體" panose="020B0604030504040204" pitchFamily="34" charset="-120"/>
+              </a:rPr>
+              <a:t>Text Detection</a:t>
+            </a:r>
+            <a:r>
+              <a:rPr lang="zh-TW" altLang="en-US" sz="2800" dirty="0">
+                <a:latin typeface="微軟正黑體" panose="020B0604030504040204" pitchFamily="34" charset="-120"/>
+                <a:ea typeface="微軟正黑體" panose="020B0604030504040204" pitchFamily="34" charset="-120"/>
+              </a:rPr>
+              <a:t>後的結果相當不穩定；在中文文件中，</a:t>
+            </a:r>
+            <a:r>
+              <a:rPr lang="en-US" altLang="zh-TW" sz="2800" dirty="0">
+                <a:latin typeface="微軟正黑體" panose="020B0604030504040204" pitchFamily="34" charset="-120"/>
+                <a:ea typeface="微軟正黑體" panose="020B0604030504040204" pitchFamily="34" charset="-120"/>
+              </a:rPr>
+              <a:t>Text Detection</a:t>
+            </a:r>
+            <a:r>
+              <a:rPr lang="zh-TW" altLang="en-US" sz="2800" dirty="0">
+                <a:latin typeface="微軟正黑體" panose="020B0604030504040204" pitchFamily="34" charset="-120"/>
+                <a:ea typeface="微軟正黑體" panose="020B0604030504040204" pitchFamily="34" charset="-120"/>
+              </a:rPr>
+              <a:t>的有無對於文字辨識率並無顯著影響。</a:t>
+            </a:r>
+            <a:r>
+              <a:rPr lang="en-US" altLang="zh-TW" sz="2800" dirty="0">
+                <a:latin typeface="微軟正黑體" panose="020B0604030504040204" pitchFamily="34" charset="-120"/>
+                <a:ea typeface="微軟正黑體" panose="020B0604030504040204" pitchFamily="34" charset="-120"/>
+              </a:rPr>
+              <a:t>	</a:t>
+            </a:r>
+            <a:r>
+              <a:rPr lang="zh-TW" altLang="en-US" sz="2800" dirty="0">
+                <a:latin typeface="微軟正黑體" panose="020B0604030504040204" pitchFamily="34" charset="-120"/>
+                <a:ea typeface="微軟正黑體" panose="020B0604030504040204" pitchFamily="34" charset="-120"/>
+              </a:rPr>
+              <a:t>　　</a:t>
+            </a:r>
+            <a:endParaRPr lang="en-US" altLang="zh-TW" sz="2800" dirty="0">
+              <a:latin typeface="微軟正黑體" panose="020B0604030504040204" pitchFamily="34" charset="-120"/>
+              <a:ea typeface="微軟正黑體" panose="020B0604030504040204" pitchFamily="34" charset="-120"/>
+            </a:endParaRPr>
+          </a:p>
+        </p:txBody>
+      </p:sp>
+      <p:sp>
+        <p:nvSpPr>
+          <p:cNvPr id="26" name="TextBox 25"/>
+          <p:cNvSpPr txBox="1"/>
+          <p:nvPr/>
+        </p:nvSpPr>
+        <p:spPr>
+          <a:xfrm>
+            <a:off x="676486" y="22159979"/>
+            <a:ext cx="20001204" cy="2154436"/>
+          </a:xfrm>
+          <a:prstGeom prst="rect">
+            <a:avLst/>
+          </a:prstGeom>
+          <a:noFill/>
+        </p:spPr>
+        <p:txBody>
+          <a:bodyPr wrap="square" rtlCol="0">
+            <a:spAutoFit/>
+          </a:bodyPr>
+          <a:lstStyle/>
+          <a:p>
+            <a:pPr>
+              <a:spcBef>
+                <a:spcPts val="1200"/>
+              </a:spcBef>
+              <a:spcAft>
+                <a:spcPts val="1200"/>
+              </a:spcAft>
+            </a:pPr>
+            <a:r>
+              <a:rPr lang="zh-TW" altLang="en-US" sz="4000" b="1" dirty="0">
+                <a:latin typeface="微軟正黑體" panose="020B0604030504040204" pitchFamily="34" charset="-120"/>
+                <a:ea typeface="微軟正黑體" panose="020B0604030504040204" pitchFamily="34" charset="-120"/>
+              </a:rPr>
+              <a:t>以</a:t>
+            </a:r>
+            <a:r>
+              <a:rPr lang="en-US" altLang="zh-TW" sz="4000" b="1" dirty="0">
+                <a:latin typeface="微軟正黑體" panose="020B0604030504040204" pitchFamily="34" charset="-120"/>
+                <a:ea typeface="微軟正黑體" panose="020B0604030504040204" pitchFamily="34" charset="-120"/>
+              </a:rPr>
+              <a:t>Text Detection</a:t>
+            </a:r>
+            <a:r>
+              <a:rPr lang="zh-TW" altLang="en-US" sz="4000" b="1" dirty="0">
+                <a:latin typeface="微軟正黑體" panose="020B0604030504040204" pitchFamily="34" charset="-120"/>
+                <a:ea typeface="微軟正黑體" panose="020B0604030504040204" pitchFamily="34" charset="-120"/>
+              </a:rPr>
+              <a:t>輔助</a:t>
+            </a:r>
+            <a:r>
+              <a:rPr lang="en-US" altLang="zh-TW" sz="4000" b="1" dirty="0" err="1">
+                <a:latin typeface="微軟正黑體" panose="020B0604030504040204" pitchFamily="34" charset="-120"/>
+                <a:ea typeface="微軟正黑體" panose="020B0604030504040204" pitchFamily="34" charset="-120"/>
+              </a:rPr>
+              <a:t>Homography</a:t>
+            </a:r>
+            <a:r>
+              <a:rPr lang="en-US" altLang="zh-TW" sz="4000" b="1" dirty="0">
+                <a:latin typeface="微軟正黑體" panose="020B0604030504040204" pitchFamily="34" charset="-120"/>
+                <a:ea typeface="微軟正黑體" panose="020B0604030504040204" pitchFamily="34" charset="-120"/>
+              </a:rPr>
+              <a:t> Matrix Finding</a:t>
+            </a:r>
+          </a:p>
+          <a:p>
+            <a:pPr fontAlgn="b"/>
+            <a:r>
+              <a:rPr lang="en-US" altLang="zh-TW" sz="2800" dirty="0">
+                <a:latin typeface="微軟正黑體" panose="020B0604030504040204" pitchFamily="34" charset="-120"/>
+                <a:ea typeface="微軟正黑體" panose="020B0604030504040204" pitchFamily="34" charset="-120"/>
+              </a:rPr>
+              <a:t>	 </a:t>
+            </a:r>
+            <a:r>
+              <a:rPr lang="zh-TW" altLang="en-US" sz="2800" dirty="0">
+                <a:latin typeface="微軟正黑體" panose="020B0604030504040204" pitchFamily="34" charset="-120"/>
+                <a:ea typeface="微軟正黑體" panose="020B0604030504040204" pitchFamily="34" charset="-120"/>
+              </a:rPr>
+              <a:t>文件影像有許多空白處，這使影像特徵點較少，計算</a:t>
+            </a:r>
+            <a:r>
+              <a:rPr lang="en-US" altLang="zh-TW" sz="2800" dirty="0" err="1">
+                <a:latin typeface="微軟正黑體" panose="020B0604030504040204" pitchFamily="34" charset="-120"/>
+                <a:ea typeface="微軟正黑體" panose="020B0604030504040204" pitchFamily="34" charset="-120"/>
+              </a:rPr>
+              <a:t>Homography</a:t>
+            </a:r>
+            <a:r>
+              <a:rPr lang="en-US" altLang="zh-TW" sz="2800" dirty="0">
+                <a:latin typeface="微軟正黑體" panose="020B0604030504040204" pitchFamily="34" charset="-120"/>
+                <a:ea typeface="微軟正黑體" panose="020B0604030504040204" pitchFamily="34" charset="-120"/>
+              </a:rPr>
+              <a:t> Matrix</a:t>
+            </a:r>
+            <a:r>
+              <a:rPr lang="zh-TW" altLang="en-US" sz="2800" dirty="0">
+                <a:latin typeface="微軟正黑體" panose="020B0604030504040204" pitchFamily="34" charset="-120"/>
+                <a:ea typeface="微軟正黑體" panose="020B0604030504040204" pitchFamily="34" charset="-120"/>
+              </a:rPr>
+              <a:t>時容易產生錯誤。因此，在搜尋特徵點之前，我們先將影像中的文字框出，在文字周圍產生更多的特徵點，以此求出更精準的</a:t>
+            </a:r>
+            <a:r>
+              <a:rPr lang="en-US" altLang="zh-TW" sz="2800" dirty="0" err="1">
+                <a:latin typeface="微軟正黑體" panose="020B0604030504040204" pitchFamily="34" charset="-120"/>
+                <a:ea typeface="微軟正黑體" panose="020B0604030504040204" pitchFamily="34" charset="-120"/>
+              </a:rPr>
+              <a:t>Homography</a:t>
+            </a:r>
+            <a:r>
+              <a:rPr lang="en-US" altLang="zh-TW" sz="2800" dirty="0">
+                <a:latin typeface="微軟正黑體" panose="020B0604030504040204" pitchFamily="34" charset="-120"/>
+                <a:ea typeface="微軟正黑體" panose="020B0604030504040204" pitchFamily="34" charset="-120"/>
+              </a:rPr>
+              <a:t> Matrix</a:t>
+            </a:r>
+            <a:r>
+              <a:rPr lang="zh-TW" altLang="en-US" sz="2800" dirty="0">
+                <a:latin typeface="微軟正黑體" panose="020B0604030504040204" pitchFamily="34" charset="-120"/>
+                <a:ea typeface="微軟正黑體" panose="020B0604030504040204" pitchFamily="34" charset="-120"/>
+              </a:rPr>
+              <a:t>，同時提高了句子對齊的機會。以下測試中我們比較在英文文件中，</a:t>
+            </a:r>
+            <a:r>
+              <a:rPr lang="en-US" altLang="zh-TW" sz="2800" dirty="0">
+                <a:latin typeface="微軟正黑體" panose="020B0604030504040204" pitchFamily="34" charset="-120"/>
+                <a:ea typeface="微軟正黑體" panose="020B0604030504040204" pitchFamily="34" charset="-120"/>
+              </a:rPr>
+              <a:t>Text Detection</a:t>
+            </a:r>
+            <a:r>
+              <a:rPr lang="zh-TW" altLang="en-US" sz="2800" dirty="0">
+                <a:latin typeface="微軟正黑體" panose="020B0604030504040204" pitchFamily="34" charset="-120"/>
+                <a:ea typeface="微軟正黑體" panose="020B0604030504040204" pitchFamily="34" charset="-120"/>
+              </a:rPr>
+              <a:t>的有無對於縫線附近文字的辨識率的影響</a:t>
+            </a:r>
+            <a:r>
+              <a:rPr lang="en-US" altLang="zh-TW" sz="2800" dirty="0">
+                <a:latin typeface="微軟正黑體" panose="020B0604030504040204" pitchFamily="34" charset="-120"/>
+                <a:ea typeface="微軟正黑體" panose="020B0604030504040204" pitchFamily="34" charset="-120"/>
+              </a:rPr>
+              <a:t>(</a:t>
+            </a:r>
+            <a:r>
+              <a:rPr lang="zh-TW" altLang="en-US" sz="2800" dirty="0">
+                <a:latin typeface="微軟正黑體" panose="020B0604030504040204" pitchFamily="34" charset="-120"/>
+                <a:ea typeface="微軟正黑體" panose="020B0604030504040204" pitchFamily="34" charset="-120"/>
+              </a:rPr>
+              <a:t>以</a:t>
+            </a:r>
+            <a:r>
+              <a:rPr lang="en-US" altLang="zh-TW" sz="2800" dirty="0">
+                <a:latin typeface="微軟正黑體" panose="020B0604030504040204" pitchFamily="34" charset="-120"/>
+                <a:ea typeface="微軟正黑體" panose="020B0604030504040204" pitchFamily="34" charset="-120"/>
+              </a:rPr>
+              <a:t>Google</a:t>
+            </a:r>
+            <a:r>
+              <a:rPr lang="zh-TW" altLang="en-US" sz="2800" dirty="0">
+                <a:latin typeface="微軟正黑體" panose="020B0604030504040204" pitchFamily="34" charset="-120"/>
+                <a:ea typeface="微軟正黑體" panose="020B0604030504040204" pitchFamily="34" charset="-120"/>
+              </a:rPr>
+              <a:t>文字辨識為基準</a:t>
+            </a:r>
+            <a:r>
+              <a:rPr lang="en-US" altLang="zh-TW" sz="2800" dirty="0">
+                <a:latin typeface="微軟正黑體" panose="020B0604030504040204" pitchFamily="34" charset="-120"/>
+                <a:ea typeface="微軟正黑體" panose="020B0604030504040204" pitchFamily="34" charset="-120"/>
+              </a:rPr>
+              <a:t>)</a:t>
+            </a:r>
+          </a:p>
+        </p:txBody>
+      </p:sp>
     </p:spTree>
     <p:extLst>
       <p:ext uri="{BB962C8B-B14F-4D97-AF65-F5344CB8AC3E}">
